--- a/Hate_Crime_Study.pptx
+++ b/Hate_Crime_Study.pptx
@@ -6,7 +6,10 @@
   </p:sldMasterIdLst>
   <p:sldIdLst>
     <p:sldId id="256" r:id="rId2"/>
-    <p:sldId id="257" r:id="rId3"/>
+    <p:sldId id="258" r:id="rId3"/>
+    <p:sldId id="259" r:id="rId4"/>
+    <p:sldId id="260" r:id="rId5"/>
+    <p:sldId id="257" r:id="rId6"/>
   </p:sldIdLst>
   <p:sldSz cx="12192000" cy="6858000"/>
   <p:notesSz cx="6858000" cy="9144000"/>
@@ -105,7 +108,373 @@
       </a:defRPr>
     </a:lvl9pPr>
   </p:defaultTextStyle>
+  <p:extLst>
+    <p:ext uri="{EFAFB233-063F-42B5-8137-9DF3F51BA10A}">
+      <p15:sldGuideLst xmlns:p15="http://schemas.microsoft.com/office/powerpoint/2012/main"/>
+    </p:ext>
+  </p:extLst>
 </p:presentation>
+</file>
+
+<file path=ppt/revisionInfo.xml><?xml version="1.0" encoding="utf-8"?>
+<p1510:revInfo xmlns:a="http://schemas.openxmlformats.org/drawingml/2006/main" xmlns:r="http://schemas.openxmlformats.org/officeDocument/2006/relationships" xmlns:p1510="http://schemas.microsoft.com/office/powerpoint/2015/10/main">
+  <p1510:revLst>
+    <p1510:client id="{7E52E15B-118E-48E1-BFC4-0F09364210F9}" v="27" dt="2019-07-11T02:55:23.720"/>
+  </p1510:revLst>
+</p1510:revInfo>
+</file>
+
+<file path=ppt/changesInfos/changesInfo1.xml><?xml version="1.0" encoding="utf-8"?>
+<pc:chgInfo xmlns:a="http://schemas.openxmlformats.org/drawingml/2006/main" xmlns:r="http://schemas.openxmlformats.org/officeDocument/2006/relationships" xmlns:ac="http://schemas.microsoft.com/office/drawing/2013/main/command" xmlns:pc="http://schemas.microsoft.com/office/powerpoint/2013/main/command">
+  <pc:docChgLst>
+    <pc:chgData name="Zachary Grinacoff" userId="f4ab6bb43d9bbc24" providerId="LiveId" clId="{7E52E15B-118E-48E1-BFC4-0F09364210F9}"/>
+    <pc:docChg chg="undo custSel mod addSld delSld modSld sldOrd">
+      <pc:chgData name="Zachary Grinacoff" userId="f4ab6bb43d9bbc24" providerId="LiveId" clId="{7E52E15B-118E-48E1-BFC4-0F09364210F9}" dt="2019-07-11T03:01:08.599" v="1179" actId="20577"/>
+      <pc:docMkLst>
+        <pc:docMk/>
+      </pc:docMkLst>
+      <pc:sldChg chg="modSp del">
+        <pc:chgData name="Zachary Grinacoff" userId="f4ab6bb43d9bbc24" providerId="LiveId" clId="{7E52E15B-118E-48E1-BFC4-0F09364210F9}" dt="2019-07-11T02:04:14.437" v="12" actId="2696"/>
+        <pc:sldMkLst>
+          <pc:docMk/>
+          <pc:sldMk cId="3083179064" sldId="257"/>
+        </pc:sldMkLst>
+        <pc:spChg chg="mod">
+          <ac:chgData name="Zachary Grinacoff" userId="f4ab6bb43d9bbc24" providerId="LiveId" clId="{7E52E15B-118E-48E1-BFC4-0F09364210F9}" dt="2019-07-11T02:01:32.408" v="11" actId="20577"/>
+          <ac:spMkLst>
+            <pc:docMk/>
+            <pc:sldMk cId="3083179064" sldId="257"/>
+            <ac:spMk id="2" creationId="{F48BA308-9B01-4835-BAD5-54D3BC5F7BAF}"/>
+          </ac:spMkLst>
+        </pc:spChg>
+      </pc:sldChg>
+      <pc:sldChg chg="addSp delSp modSp add mod setBg">
+        <pc:chgData name="Zachary Grinacoff" userId="f4ab6bb43d9bbc24" providerId="LiveId" clId="{7E52E15B-118E-48E1-BFC4-0F09364210F9}" dt="2019-07-11T02:50:55.838" v="886" actId="20577"/>
+        <pc:sldMkLst>
+          <pc:docMk/>
+          <pc:sldMk cId="3593529453" sldId="257"/>
+        </pc:sldMkLst>
+        <pc:spChg chg="mod">
+          <ac:chgData name="Zachary Grinacoff" userId="f4ab6bb43d9bbc24" providerId="LiveId" clId="{7E52E15B-118E-48E1-BFC4-0F09364210F9}" dt="2019-07-11T02:40:21.142" v="851" actId="26606"/>
+          <ac:spMkLst>
+            <pc:docMk/>
+            <pc:sldMk cId="3593529453" sldId="257"/>
+            <ac:spMk id="2" creationId="{28750D29-79F8-4FE9-BE40-B7BAE2B1F7B9}"/>
+          </ac:spMkLst>
+        </pc:spChg>
+        <pc:spChg chg="mod">
+          <ac:chgData name="Zachary Grinacoff" userId="f4ab6bb43d9bbc24" providerId="LiveId" clId="{7E52E15B-118E-48E1-BFC4-0F09364210F9}" dt="2019-07-11T02:50:55.838" v="886" actId="20577"/>
+          <ac:spMkLst>
+            <pc:docMk/>
+            <pc:sldMk cId="3593529453" sldId="257"/>
+            <ac:spMk id="3" creationId="{FC6A2D2E-209A-47B0-A00D-E3A7C76B1FF6}"/>
+          </ac:spMkLst>
+        </pc:spChg>
+        <pc:spChg chg="add del">
+          <ac:chgData name="Zachary Grinacoff" userId="f4ab6bb43d9bbc24" providerId="LiveId" clId="{7E52E15B-118E-48E1-BFC4-0F09364210F9}" dt="2019-07-11T02:40:13.925" v="846" actId="26606"/>
+          <ac:spMkLst>
+            <pc:docMk/>
+            <pc:sldMk cId="3593529453" sldId="257"/>
+            <ac:spMk id="8" creationId="{559AE206-7EBA-4D33-8BC9-9D8158553F0E}"/>
+          </ac:spMkLst>
+        </pc:spChg>
+        <pc:spChg chg="add del">
+          <ac:chgData name="Zachary Grinacoff" userId="f4ab6bb43d9bbc24" providerId="LiveId" clId="{7E52E15B-118E-48E1-BFC4-0F09364210F9}" dt="2019-07-11T02:40:13.925" v="846" actId="26606"/>
+          <ac:spMkLst>
+            <pc:docMk/>
+            <pc:sldMk cId="3593529453" sldId="257"/>
+            <ac:spMk id="10" creationId="{6437D937-A7F1-4011-92B4-328E5BE1B166}"/>
+          </ac:spMkLst>
+        </pc:spChg>
+        <pc:spChg chg="add del">
+          <ac:chgData name="Zachary Grinacoff" userId="f4ab6bb43d9bbc24" providerId="LiveId" clId="{7E52E15B-118E-48E1-BFC4-0F09364210F9}" dt="2019-07-11T02:40:13.925" v="846" actId="26606"/>
+          <ac:spMkLst>
+            <pc:docMk/>
+            <pc:sldMk cId="3593529453" sldId="257"/>
+            <ac:spMk id="12" creationId="{B672F332-AF08-46C6-94F0-77684310D7B7}"/>
+          </ac:spMkLst>
+        </pc:spChg>
+        <pc:spChg chg="add del">
+          <ac:chgData name="Zachary Grinacoff" userId="f4ab6bb43d9bbc24" providerId="LiveId" clId="{7E52E15B-118E-48E1-BFC4-0F09364210F9}" dt="2019-07-11T02:40:13.925" v="846" actId="26606"/>
+          <ac:spMkLst>
+            <pc:docMk/>
+            <pc:sldMk cId="3593529453" sldId="257"/>
+            <ac:spMk id="14" creationId="{34244EF8-D73A-40E1-BE73-D46E6B4B04ED}"/>
+          </ac:spMkLst>
+        </pc:spChg>
+        <pc:spChg chg="add del">
+          <ac:chgData name="Zachary Grinacoff" userId="f4ab6bb43d9bbc24" providerId="LiveId" clId="{7E52E15B-118E-48E1-BFC4-0F09364210F9}" dt="2019-07-11T02:40:13.925" v="846" actId="26606"/>
+          <ac:spMkLst>
+            <pc:docMk/>
+            <pc:sldMk cId="3593529453" sldId="257"/>
+            <ac:spMk id="16" creationId="{AB84D7E8-4ECB-42D7-ADBF-01689B0F24AE}"/>
+          </ac:spMkLst>
+        </pc:spChg>
+        <pc:spChg chg="add del">
+          <ac:chgData name="Zachary Grinacoff" userId="f4ab6bb43d9bbc24" providerId="LiveId" clId="{7E52E15B-118E-48E1-BFC4-0F09364210F9}" dt="2019-07-11T02:40:17.054" v="848" actId="26606"/>
+          <ac:spMkLst>
+            <pc:docMk/>
+            <pc:sldMk cId="3593529453" sldId="257"/>
+            <ac:spMk id="20" creationId="{6F9EB9F2-07E2-4D64-BBD8-BB5B217F1218}"/>
+          </ac:spMkLst>
+        </pc:spChg>
+        <pc:spChg chg="add del">
+          <ac:chgData name="Zachary Grinacoff" userId="f4ab6bb43d9bbc24" providerId="LiveId" clId="{7E52E15B-118E-48E1-BFC4-0F09364210F9}" dt="2019-07-11T02:40:21.124" v="850" actId="26606"/>
+          <ac:spMkLst>
+            <pc:docMk/>
+            <pc:sldMk cId="3593529453" sldId="257"/>
+            <ac:spMk id="23" creationId="{559AE206-7EBA-4D33-8BC9-9D8158553F0E}"/>
+          </ac:spMkLst>
+        </pc:spChg>
+        <pc:spChg chg="add del">
+          <ac:chgData name="Zachary Grinacoff" userId="f4ab6bb43d9bbc24" providerId="LiveId" clId="{7E52E15B-118E-48E1-BFC4-0F09364210F9}" dt="2019-07-11T02:40:21.124" v="850" actId="26606"/>
+          <ac:spMkLst>
+            <pc:docMk/>
+            <pc:sldMk cId="3593529453" sldId="257"/>
+            <ac:spMk id="24" creationId="{6437D937-A7F1-4011-92B4-328E5BE1B166}"/>
+          </ac:spMkLst>
+        </pc:spChg>
+        <pc:spChg chg="add del">
+          <ac:chgData name="Zachary Grinacoff" userId="f4ab6bb43d9bbc24" providerId="LiveId" clId="{7E52E15B-118E-48E1-BFC4-0F09364210F9}" dt="2019-07-11T02:40:21.124" v="850" actId="26606"/>
+          <ac:spMkLst>
+            <pc:docMk/>
+            <pc:sldMk cId="3593529453" sldId="257"/>
+            <ac:spMk id="25" creationId="{B672F332-AF08-46C6-94F0-77684310D7B7}"/>
+          </ac:spMkLst>
+        </pc:spChg>
+        <pc:spChg chg="add del">
+          <ac:chgData name="Zachary Grinacoff" userId="f4ab6bb43d9bbc24" providerId="LiveId" clId="{7E52E15B-118E-48E1-BFC4-0F09364210F9}" dt="2019-07-11T02:40:21.124" v="850" actId="26606"/>
+          <ac:spMkLst>
+            <pc:docMk/>
+            <pc:sldMk cId="3593529453" sldId="257"/>
+            <ac:spMk id="26" creationId="{34244EF8-D73A-40E1-BE73-D46E6B4B04ED}"/>
+          </ac:spMkLst>
+        </pc:spChg>
+        <pc:spChg chg="add del">
+          <ac:chgData name="Zachary Grinacoff" userId="f4ab6bb43d9bbc24" providerId="LiveId" clId="{7E52E15B-118E-48E1-BFC4-0F09364210F9}" dt="2019-07-11T02:40:21.124" v="850" actId="26606"/>
+          <ac:spMkLst>
+            <pc:docMk/>
+            <pc:sldMk cId="3593529453" sldId="257"/>
+            <ac:spMk id="27" creationId="{AB84D7E8-4ECB-42D7-ADBF-01689B0F24AE}"/>
+          </ac:spMkLst>
+        </pc:spChg>
+        <pc:spChg chg="add">
+          <ac:chgData name="Zachary Grinacoff" userId="f4ab6bb43d9bbc24" providerId="LiveId" clId="{7E52E15B-118E-48E1-BFC4-0F09364210F9}" dt="2019-07-11T02:40:21.142" v="851" actId="26606"/>
+          <ac:spMkLst>
+            <pc:docMk/>
+            <pc:sldMk cId="3593529453" sldId="257"/>
+            <ac:spMk id="30" creationId="{D8386171-E87D-46AB-8718-4CE2A88748BD}"/>
+          </ac:spMkLst>
+        </pc:spChg>
+        <pc:spChg chg="add">
+          <ac:chgData name="Zachary Grinacoff" userId="f4ab6bb43d9bbc24" providerId="LiveId" clId="{7E52E15B-118E-48E1-BFC4-0F09364210F9}" dt="2019-07-11T02:40:21.142" v="851" actId="26606"/>
+          <ac:spMkLst>
+            <pc:docMk/>
+            <pc:sldMk cId="3593529453" sldId="257"/>
+            <ac:spMk id="31" creationId="{207CB456-8849-413C-8210-B663779A32E0}"/>
+          </ac:spMkLst>
+        </pc:spChg>
+        <pc:spChg chg="add">
+          <ac:chgData name="Zachary Grinacoff" userId="f4ab6bb43d9bbc24" providerId="LiveId" clId="{7E52E15B-118E-48E1-BFC4-0F09364210F9}" dt="2019-07-11T02:40:21.142" v="851" actId="26606"/>
+          <ac:spMkLst>
+            <pc:docMk/>
+            <pc:sldMk cId="3593529453" sldId="257"/>
+            <ac:spMk id="32" creationId="{E513936D-D1EB-4E42-A97F-942BA1F3DFA7}"/>
+          </ac:spMkLst>
+        </pc:spChg>
+        <pc:cxnChg chg="add del">
+          <ac:chgData name="Zachary Grinacoff" userId="f4ab6bb43d9bbc24" providerId="LiveId" clId="{7E52E15B-118E-48E1-BFC4-0F09364210F9}" dt="2019-07-11T02:40:13.925" v="846" actId="26606"/>
+          <ac:cxnSpMkLst>
+            <pc:docMk/>
+            <pc:sldMk cId="3593529453" sldId="257"/>
+            <ac:cxnSpMk id="18" creationId="{9E8E38ED-369A-44C2-B635-0BED0E48A6E8}"/>
+          </ac:cxnSpMkLst>
+        </pc:cxnChg>
+        <pc:cxnChg chg="add del">
+          <ac:chgData name="Zachary Grinacoff" userId="f4ab6bb43d9bbc24" providerId="LiveId" clId="{7E52E15B-118E-48E1-BFC4-0F09364210F9}" dt="2019-07-11T02:40:17.054" v="848" actId="26606"/>
+          <ac:cxnSpMkLst>
+            <pc:docMk/>
+            <pc:sldMk cId="3593529453" sldId="257"/>
+            <ac:cxnSpMk id="21" creationId="{F0C57C7C-DFE9-4A1E-B7A9-DF40E63366BB}"/>
+          </ac:cxnSpMkLst>
+        </pc:cxnChg>
+        <pc:cxnChg chg="add del">
+          <ac:chgData name="Zachary Grinacoff" userId="f4ab6bb43d9bbc24" providerId="LiveId" clId="{7E52E15B-118E-48E1-BFC4-0F09364210F9}" dt="2019-07-11T02:40:21.124" v="850" actId="26606"/>
+          <ac:cxnSpMkLst>
+            <pc:docMk/>
+            <pc:sldMk cId="3593529453" sldId="257"/>
+            <ac:cxnSpMk id="28" creationId="{9E8E38ED-369A-44C2-B635-0BED0E48A6E8}"/>
+          </ac:cxnSpMkLst>
+        </pc:cxnChg>
+      </pc:sldChg>
+      <pc:sldChg chg="addSp delSp modSp add mod ord setBg setClrOvrMap">
+        <pc:chgData name="Zachary Grinacoff" userId="f4ab6bb43d9bbc24" providerId="LiveId" clId="{7E52E15B-118E-48E1-BFC4-0F09364210F9}" dt="2019-07-11T02:54:55.521" v="924" actId="20577"/>
+        <pc:sldMkLst>
+          <pc:docMk/>
+          <pc:sldMk cId="596094324" sldId="258"/>
+        </pc:sldMkLst>
+        <pc:spChg chg="mod">
+          <ac:chgData name="Zachary Grinacoff" userId="f4ab6bb43d9bbc24" providerId="LiveId" clId="{7E52E15B-118E-48E1-BFC4-0F09364210F9}" dt="2019-07-11T02:39:46.452" v="842" actId="26606"/>
+          <ac:spMkLst>
+            <pc:docMk/>
+            <pc:sldMk cId="596094324" sldId="258"/>
+            <ac:spMk id="2" creationId="{40B566B0-D4D3-4B15-A408-C46CFFBAD423}"/>
+          </ac:spMkLst>
+        </pc:spChg>
+        <pc:spChg chg="add del mod">
+          <ac:chgData name="Zachary Grinacoff" userId="f4ab6bb43d9bbc24" providerId="LiveId" clId="{7E52E15B-118E-48E1-BFC4-0F09364210F9}" dt="2019-07-11T02:39:46.452" v="842" actId="26606"/>
+          <ac:spMkLst>
+            <pc:docMk/>
+            <pc:sldMk cId="596094324" sldId="258"/>
+            <ac:spMk id="3" creationId="{CB8BE323-E2B3-4295-A457-68CEB53E5B61}"/>
+          </ac:spMkLst>
+        </pc:spChg>
+        <pc:spChg chg="add del">
+          <ac:chgData name="Zachary Grinacoff" userId="f4ab6bb43d9bbc24" providerId="LiveId" clId="{7E52E15B-118E-48E1-BFC4-0F09364210F9}" dt="2019-07-11T02:39:46.440" v="841" actId="26606"/>
+          <ac:spMkLst>
+            <pc:docMk/>
+            <pc:sldMk cId="596094324" sldId="258"/>
+            <ac:spMk id="8" creationId="{48A740BC-A0AA-45E0-B899-2AE9C6FE11CA}"/>
+          </ac:spMkLst>
+        </pc:spChg>
+        <pc:spChg chg="add del">
+          <ac:chgData name="Zachary Grinacoff" userId="f4ab6bb43d9bbc24" providerId="LiveId" clId="{7E52E15B-118E-48E1-BFC4-0F09364210F9}" dt="2019-07-11T02:39:43.978" v="839" actId="26606"/>
+          <ac:spMkLst>
+            <pc:docMk/>
+            <pc:sldMk cId="596094324" sldId="258"/>
+            <ac:spMk id="10" creationId="{42285737-90EE-47DC-AC80-8AE156B11969}"/>
+          </ac:spMkLst>
+        </pc:spChg>
+        <pc:spChg chg="add del">
+          <ac:chgData name="Zachary Grinacoff" userId="f4ab6bb43d9bbc24" providerId="LiveId" clId="{7E52E15B-118E-48E1-BFC4-0F09364210F9}" dt="2019-07-11T02:39:46.440" v="841" actId="26606"/>
+          <ac:spMkLst>
+            <pc:docMk/>
+            <pc:sldMk cId="596094324" sldId="258"/>
+            <ac:spMk id="21" creationId="{CB8BE323-E2B3-4295-A457-68CEB53E5B61}"/>
+          </ac:spMkLst>
+        </pc:spChg>
+        <pc:spChg chg="add">
+          <ac:chgData name="Zachary Grinacoff" userId="f4ab6bb43d9bbc24" providerId="LiveId" clId="{7E52E15B-118E-48E1-BFC4-0F09364210F9}" dt="2019-07-11T02:39:46.452" v="842" actId="26606"/>
+          <ac:spMkLst>
+            <pc:docMk/>
+            <pc:sldMk cId="596094324" sldId="258"/>
+            <ac:spMk id="23" creationId="{F98ED85F-DCEE-4B50-802E-71A6E3E12B04}"/>
+          </ac:spMkLst>
+        </pc:spChg>
+        <pc:spChg chg="add mod">
+          <ac:chgData name="Zachary Grinacoff" userId="f4ab6bb43d9bbc24" providerId="LiveId" clId="{7E52E15B-118E-48E1-BFC4-0F09364210F9}" dt="2019-07-11T02:54:55.521" v="924" actId="20577"/>
+          <ac:spMkLst>
+            <pc:docMk/>
+            <pc:sldMk cId="596094324" sldId="258"/>
+            <ac:spMk id="24" creationId="{CB8BE323-E2B3-4295-A457-68CEB53E5B61}"/>
+          </ac:spMkLst>
+        </pc:spChg>
+        <pc:grpChg chg="add del">
+          <ac:chgData name="Zachary Grinacoff" userId="f4ab6bb43d9bbc24" providerId="LiveId" clId="{7E52E15B-118E-48E1-BFC4-0F09364210F9}" dt="2019-07-11T02:39:43.978" v="839" actId="26606"/>
+          <ac:grpSpMkLst>
+            <pc:docMk/>
+            <pc:sldMk cId="596094324" sldId="258"/>
+            <ac:grpSpMk id="12" creationId="{B57BDC17-F1B3-455F-BBF1-680AA1F25C06}"/>
+          </ac:grpSpMkLst>
+        </pc:grpChg>
+        <pc:graphicFrameChg chg="add del">
+          <ac:chgData name="Zachary Grinacoff" userId="f4ab6bb43d9bbc24" providerId="LiveId" clId="{7E52E15B-118E-48E1-BFC4-0F09364210F9}" dt="2019-07-11T02:39:43.978" v="839" actId="26606"/>
+          <ac:graphicFrameMkLst>
+            <pc:docMk/>
+            <pc:sldMk cId="596094324" sldId="258"/>
+            <ac:graphicFrameMk id="5" creationId="{238B9D90-DB6D-4718-8D94-7C06D996E9B1}"/>
+          </ac:graphicFrameMkLst>
+        </pc:graphicFrameChg>
+        <pc:cxnChg chg="add del">
+          <ac:chgData name="Zachary Grinacoff" userId="f4ab6bb43d9bbc24" providerId="LiveId" clId="{7E52E15B-118E-48E1-BFC4-0F09364210F9}" dt="2019-07-11T02:39:46.440" v="841" actId="26606"/>
+          <ac:cxnSpMkLst>
+            <pc:docMk/>
+            <pc:sldMk cId="596094324" sldId="258"/>
+            <ac:cxnSpMk id="20" creationId="{B874EF51-C858-4BB9-97C3-D17755787127}"/>
+          </ac:cxnSpMkLst>
+        </pc:cxnChg>
+      </pc:sldChg>
+      <pc:sldChg chg="addSp modSp add mod setBg">
+        <pc:chgData name="Zachary Grinacoff" userId="f4ab6bb43d9bbc24" providerId="LiveId" clId="{7E52E15B-118E-48E1-BFC4-0F09364210F9}" dt="2019-07-11T03:01:08.599" v="1179" actId="20577"/>
+        <pc:sldMkLst>
+          <pc:docMk/>
+          <pc:sldMk cId="2305445753" sldId="259"/>
+        </pc:sldMkLst>
+        <pc:spChg chg="mod">
+          <ac:chgData name="Zachary Grinacoff" userId="f4ab6bb43d9bbc24" providerId="LiveId" clId="{7E52E15B-118E-48E1-BFC4-0F09364210F9}" dt="2019-07-11T02:39:55.107" v="843" actId="26606"/>
+          <ac:spMkLst>
+            <pc:docMk/>
+            <pc:sldMk cId="2305445753" sldId="259"/>
+            <ac:spMk id="2" creationId="{FD941AC5-D366-4F3A-90F1-BEF2CC19D74C}"/>
+          </ac:spMkLst>
+        </pc:spChg>
+        <pc:spChg chg="mod">
+          <ac:chgData name="Zachary Grinacoff" userId="f4ab6bb43d9bbc24" providerId="LiveId" clId="{7E52E15B-118E-48E1-BFC4-0F09364210F9}" dt="2019-07-11T03:01:08.599" v="1179" actId="20577"/>
+          <ac:spMkLst>
+            <pc:docMk/>
+            <pc:sldMk cId="2305445753" sldId="259"/>
+            <ac:spMk id="3" creationId="{5D0E4B2D-E204-4850-A9BF-F49B44C74727}"/>
+          </ac:spMkLst>
+        </pc:spChg>
+        <pc:spChg chg="add">
+          <ac:chgData name="Zachary Grinacoff" userId="f4ab6bb43d9bbc24" providerId="LiveId" clId="{7E52E15B-118E-48E1-BFC4-0F09364210F9}" dt="2019-07-11T02:39:55.107" v="843" actId="26606"/>
+          <ac:spMkLst>
+            <pc:docMk/>
+            <pc:sldMk cId="2305445753" sldId="259"/>
+            <ac:spMk id="8" creationId="{F98ED85F-DCEE-4B50-802E-71A6E3E12B04}"/>
+          </ac:spMkLst>
+        </pc:spChg>
+      </pc:sldChg>
+      <pc:sldChg chg="addSp delSp modSp add mod ord setBg">
+        <pc:chgData name="Zachary Grinacoff" userId="f4ab6bb43d9bbc24" providerId="LiveId" clId="{7E52E15B-118E-48E1-BFC4-0F09364210F9}" dt="2019-07-11T02:44:06.091" v="873" actId="20577"/>
+        <pc:sldMkLst>
+          <pc:docMk/>
+          <pc:sldMk cId="3966133736" sldId="260"/>
+        </pc:sldMkLst>
+        <pc:spChg chg="del">
+          <ac:chgData name="Zachary Grinacoff" userId="f4ab6bb43d9bbc24" providerId="LiveId" clId="{7E52E15B-118E-48E1-BFC4-0F09364210F9}" dt="2019-07-11T02:39:10.465" v="837"/>
+          <ac:spMkLst>
+            <pc:docMk/>
+            <pc:sldMk cId="3966133736" sldId="260"/>
+            <ac:spMk id="2" creationId="{A0EFC806-A5D2-4110-BC8F-A18D4157F4DA}"/>
+          </ac:spMkLst>
+        </pc:spChg>
+        <pc:spChg chg="del">
+          <ac:chgData name="Zachary Grinacoff" userId="f4ab6bb43d9bbc24" providerId="LiveId" clId="{7E52E15B-118E-48E1-BFC4-0F09364210F9}" dt="2019-07-11T02:39:10.465" v="837"/>
+          <ac:spMkLst>
+            <pc:docMk/>
+            <pc:sldMk cId="3966133736" sldId="260"/>
+            <ac:spMk id="3" creationId="{26501168-3A05-4D35-B3B8-232FACD6E972}"/>
+          </ac:spMkLst>
+        </pc:spChg>
+        <pc:spChg chg="add mod">
+          <ac:chgData name="Zachary Grinacoff" userId="f4ab6bb43d9bbc24" providerId="LiveId" clId="{7E52E15B-118E-48E1-BFC4-0F09364210F9}" dt="2019-07-11T02:44:06.091" v="873" actId="20577"/>
+          <ac:spMkLst>
+            <pc:docMk/>
+            <pc:sldMk cId="3966133736" sldId="260"/>
+            <ac:spMk id="4" creationId="{8E25E34F-668C-4540-8F90-C2B5B5CC65D5}"/>
+          </ac:spMkLst>
+        </pc:spChg>
+        <pc:spChg chg="add mod">
+          <ac:chgData name="Zachary Grinacoff" userId="f4ab6bb43d9bbc24" providerId="LiveId" clId="{7E52E15B-118E-48E1-BFC4-0F09364210F9}" dt="2019-07-11T02:39:58.025" v="844" actId="26606"/>
+          <ac:spMkLst>
+            <pc:docMk/>
+            <pc:sldMk cId="3966133736" sldId="260"/>
+            <ac:spMk id="5" creationId="{FD830E9C-8A59-4ECC-B2C0-C421E52B768B}"/>
+          </ac:spMkLst>
+        </pc:spChg>
+        <pc:spChg chg="add">
+          <ac:chgData name="Zachary Grinacoff" userId="f4ab6bb43d9bbc24" providerId="LiveId" clId="{7E52E15B-118E-48E1-BFC4-0F09364210F9}" dt="2019-07-11T02:39:58.025" v="844" actId="26606"/>
+          <ac:spMkLst>
+            <pc:docMk/>
+            <pc:sldMk cId="3966133736" sldId="260"/>
+            <ac:spMk id="10" creationId="{F98ED85F-DCEE-4B50-802E-71A6E3E12B04}"/>
+          </ac:spMkLst>
+        </pc:spChg>
+      </pc:sldChg>
+    </pc:docChg>
+  </pc:docChgLst>
+</pc:chgInfo>
 </file>
 
 <file path=ppt/slideLayouts/slideLayout1.xml><?xml version="1.0" encoding="utf-8"?>
@@ -3649,6 +4018,14 @@
 <file path=ppt/slides/slide2.xml><?xml version="1.0" encoding="utf-8"?>
 <p:sld xmlns:a="http://schemas.openxmlformats.org/drawingml/2006/main" xmlns:r="http://schemas.openxmlformats.org/officeDocument/2006/relationships" xmlns:p="http://schemas.openxmlformats.org/presentationml/2006/main">
   <p:cSld>
+    <p:bg>
+      <p:bgPr>
+        <a:solidFill>
+          <a:schemeClr val="bg1"/>
+        </a:solidFill>
+        <a:effectLst/>
+      </p:bgPr>
+    </p:bg>
     <p:spTree>
       <p:nvGrpSpPr>
         <p:cNvPr id="1" name=""/>
@@ -3665,10 +4042,81 @@
       </p:grpSpPr>
       <p:sp>
         <p:nvSpPr>
+          <p:cNvPr id="23" name="Rectangle 7">
+            <a:extLst>
+              <a:ext uri="{FF2B5EF4-FFF2-40B4-BE49-F238E27FC236}">
+                <a16:creationId xmlns:a16="http://schemas.microsoft.com/office/drawing/2014/main" id="{F98ED85F-DCEE-4B50-802E-71A6E3E12B04}"/>
+              </a:ext>
+              <a:ext uri="{C183D7F6-B498-43B3-948B-1728B52AA6E4}">
+                <adec:decorative xmlns:adec="http://schemas.microsoft.com/office/drawing/2017/decorative" val="1"/>
+              </a:ext>
+            </a:extLst>
+          </p:cNvPr>
+          <p:cNvSpPr>
+            <a:spLocks noGrp="1" noRot="1" noChangeAspect="1" noMove="1" noResize="1" noEditPoints="1" noAdjustHandles="1" noChangeArrowheads="1" noChangeShapeType="1" noTextEdit="1"/>
+          </p:cNvSpPr>
+          <p:nvPr>
+            <p:extLst>
+              <p:ext uri="{386F3935-93C4-4BCD-93E2-E3B085C9AB24}">
+                <p16:designElem xmlns:p16="http://schemas.microsoft.com/office/powerpoint/2015/main" val="1"/>
+              </p:ext>
+            </p:extLst>
+          </p:nvPr>
+        </p:nvSpPr>
+        <p:spPr bwMode="ltGray">
+          <a:xfrm>
+            <a:off x="321564" y="320040"/>
+            <a:ext cx="11548872" cy="6217920"/>
+          </a:xfrm>
+          <a:prstGeom prst="rect">
+            <a:avLst/>
+          </a:prstGeom>
+          <a:solidFill>
+            <a:schemeClr val="tx1">
+              <a:alpha val="14000"/>
+            </a:schemeClr>
+          </a:solidFill>
+          <a:ln w="127000" cap="sq" cmpd="thinThick">
+            <a:solidFill>
+              <a:schemeClr val="tx1">
+                <a:lumMod val="85000"/>
+                <a:lumOff val="15000"/>
+                <a:alpha val="15000"/>
+              </a:schemeClr>
+            </a:solidFill>
+          </a:ln>
+        </p:spPr>
+        <p:style>
+          <a:lnRef idx="2">
+            <a:schemeClr val="accent1">
+              <a:shade val="50000"/>
+            </a:schemeClr>
+          </a:lnRef>
+          <a:fillRef idx="1">
+            <a:schemeClr val="accent1"/>
+          </a:fillRef>
+          <a:effectRef idx="0">
+            <a:schemeClr val="accent1"/>
+          </a:effectRef>
+          <a:fontRef idx="minor">
+            <a:schemeClr val="lt1"/>
+          </a:fontRef>
+        </p:style>
+        <p:txBody>
+          <a:bodyPr rtlCol="0" anchor="ctr"/>
+          <a:lstStyle/>
+          <a:p>
+            <a:pPr algn="ctr"/>
+            <a:endParaRPr lang="en-US"/>
+          </a:p>
+        </p:txBody>
+      </p:sp>
+      <p:sp>
+        <p:nvSpPr>
           <p:cNvPr id="2" name="Title 1">
             <a:extLst>
               <a:ext uri="{FF2B5EF4-FFF2-40B4-BE49-F238E27FC236}">
-                <a16:creationId xmlns:a16="http://schemas.microsoft.com/office/drawing/2014/main" id="{F48BA308-9B01-4835-BAD5-54D3BC5F7BAF}"/>
+                <a16:creationId xmlns:a16="http://schemas.microsoft.com/office/drawing/2014/main" id="{40B566B0-D4D3-4B15-A408-C46CFFBAD423}"/>
               </a:ext>
             </a:extLst>
           </p:cNvPr>
@@ -3679,47 +4127,844 @@
             <p:ph type="title"/>
           </p:nvPr>
         </p:nvSpPr>
-        <p:spPr/>
-        <p:txBody>
-          <a:bodyPr/>
-          <a:lstStyle/>
-          <a:p>
-            <a:r>
-              <a:rPr lang="en-US" dirty="0"/>
-              <a:t>Socioeconomic</a:t>
-            </a:r>
-          </a:p>
-        </p:txBody>
-      </p:sp>
-      <p:sp>
-        <p:nvSpPr>
-          <p:cNvPr id="3" name="Text Placeholder 2">
-            <a:extLst>
-              <a:ext uri="{FF2B5EF4-FFF2-40B4-BE49-F238E27FC236}">
-                <a16:creationId xmlns:a16="http://schemas.microsoft.com/office/drawing/2014/main" id="{C355857E-9F3C-42D5-B037-493253FF81E3}"/>
-              </a:ext>
-            </a:extLst>
-          </p:cNvPr>
-          <p:cNvSpPr>
-            <a:spLocks noGrp="1"/>
-          </p:cNvSpPr>
-          <p:nvPr>
-            <p:ph type="body" idx="1"/>
-          </p:nvPr>
-        </p:nvSpPr>
-        <p:spPr/>
-        <p:txBody>
-          <a:bodyPr/>
-          <a:lstStyle/>
-          <a:p>
-            <a:endParaRPr lang="en-US"/>
+        <p:spPr>
+          <a:xfrm>
+            <a:off x="838200" y="631825"/>
+            <a:ext cx="10515600" cy="1325563"/>
+          </a:xfrm>
+        </p:spPr>
+        <p:txBody>
+          <a:bodyPr>
+            <a:normAutofit/>
+          </a:bodyPr>
+          <a:lstStyle/>
+          <a:p>
+            <a:r>
+              <a:rPr lang="en-US"/>
+              <a:t>Hate Crime Datasets:</a:t>
+            </a:r>
+            <a:endParaRPr lang="en-US" dirty="0"/>
+          </a:p>
+        </p:txBody>
+      </p:sp>
+      <p:sp>
+        <p:nvSpPr>
+          <p:cNvPr id="24" name="Content Placeholder 2">
+            <a:extLst>
+              <a:ext uri="{FF2B5EF4-FFF2-40B4-BE49-F238E27FC236}">
+                <a16:creationId xmlns:a16="http://schemas.microsoft.com/office/drawing/2014/main" id="{CB8BE323-E2B3-4295-A457-68CEB53E5B61}"/>
+              </a:ext>
+            </a:extLst>
+          </p:cNvPr>
+          <p:cNvSpPr>
+            <a:spLocks noGrp="1"/>
+          </p:cNvSpPr>
+          <p:nvPr>
+            <p:ph idx="1"/>
+          </p:nvPr>
+        </p:nvSpPr>
+        <p:spPr>
+          <a:xfrm>
+            <a:off x="838200" y="2057400"/>
+            <a:ext cx="10515600" cy="3871762"/>
+          </a:xfrm>
+        </p:spPr>
+        <p:txBody>
+          <a:bodyPr>
+            <a:normAutofit/>
+          </a:bodyPr>
+          <a:lstStyle/>
+          <a:p>
+            <a:r>
+              <a:rPr lang="en-US" sz="1700" dirty="0"/>
+              <a:t>FBI Crime Data Explorer: Hate Crime Specific</a:t>
+            </a:r>
+          </a:p>
+          <a:p>
+            <a:pPr lvl="1"/>
+            <a:r>
+              <a:rPr lang="en-US" sz="1700" dirty="0">
+                <a:hlinkClick r:id="rId2"/>
+              </a:rPr>
+              <a:t>https://crime-data-explorer.fr.cloud.gov/downloads-and-docs</a:t>
+            </a:r>
+            <a:endParaRPr lang="en-US" sz="1700" dirty="0"/>
+          </a:p>
+          <a:p>
+            <a:pPr lvl="2"/>
+            <a:r>
+              <a:rPr lang="en-US" sz="1700" dirty="0"/>
+              <a:t>Limitations: </a:t>
+            </a:r>
+          </a:p>
+          <a:p>
+            <a:pPr lvl="3"/>
+            <a:r>
+              <a:rPr lang="en-US" sz="1700" dirty="0"/>
+              <a:t>All law enforcement agencies, whether they submit Summary Reporting System (SRS) or National Incident-Based Reporting System (NIBRS) reports, can contribute hate crime data to the UCR Program using forms specified to collect such information. However, not all hate crime related incidents are reported to the proper authorities, thus not collected in the UCR Program dataset.</a:t>
+            </a:r>
+          </a:p>
+          <a:p>
+            <a:endParaRPr lang="en-US" sz="1700" dirty="0"/>
+          </a:p>
+          <a:p>
+            <a:r>
+              <a:rPr lang="en-US" sz="1700" dirty="0"/>
+              <a:t>US Census API Wrapper:</a:t>
+            </a:r>
+          </a:p>
+          <a:p>
+            <a:pPr lvl="1"/>
+            <a:r>
+              <a:rPr lang="en-US" sz="1700" dirty="0">
+                <a:hlinkClick r:id="rId3"/>
+              </a:rPr>
+              <a:t>https://github.com/datamade/census</a:t>
+            </a:r>
+            <a:endParaRPr lang="en-US" sz="1700" dirty="0"/>
           </a:p>
         </p:txBody>
       </p:sp>
     </p:spTree>
     <p:extLst>
       <p:ext uri="{BB962C8B-B14F-4D97-AF65-F5344CB8AC3E}">
-        <p14:creationId xmlns:p14="http://schemas.microsoft.com/office/powerpoint/2010/main" val="3083179064"/>
+        <p14:creationId xmlns:p14="http://schemas.microsoft.com/office/powerpoint/2010/main" val="596094324"/>
+      </p:ext>
+    </p:extLst>
+  </p:cSld>
+  <p:clrMapOvr>
+    <a:masterClrMapping/>
+  </p:clrMapOvr>
+</p:sld>
+</file>
+
+<file path=ppt/slides/slide3.xml><?xml version="1.0" encoding="utf-8"?>
+<p:sld xmlns:a="http://schemas.openxmlformats.org/drawingml/2006/main" xmlns:r="http://schemas.openxmlformats.org/officeDocument/2006/relationships" xmlns:p="http://schemas.openxmlformats.org/presentationml/2006/main">
+  <p:cSld>
+    <p:bg>
+      <p:bgPr>
+        <a:solidFill>
+          <a:schemeClr val="bg1"/>
+        </a:solidFill>
+        <a:effectLst/>
+      </p:bgPr>
+    </p:bg>
+    <p:spTree>
+      <p:nvGrpSpPr>
+        <p:cNvPr id="1" name=""/>
+        <p:cNvGrpSpPr/>
+        <p:nvPr/>
+      </p:nvGrpSpPr>
+      <p:grpSpPr>
+        <a:xfrm>
+          <a:off x="0" y="0"/>
+          <a:ext cx="0" cy="0"/>
+          <a:chOff x="0" y="0"/>
+          <a:chExt cx="0" cy="0"/>
+        </a:xfrm>
+      </p:grpSpPr>
+      <p:sp>
+        <p:nvSpPr>
+          <p:cNvPr id="8" name="Rectangle 7">
+            <a:extLst>
+              <a:ext uri="{FF2B5EF4-FFF2-40B4-BE49-F238E27FC236}">
+                <a16:creationId xmlns:a16="http://schemas.microsoft.com/office/drawing/2014/main" id="{F98ED85F-DCEE-4B50-802E-71A6E3E12B04}"/>
+              </a:ext>
+              <a:ext uri="{C183D7F6-B498-43B3-948B-1728B52AA6E4}">
+                <adec:decorative xmlns:adec="http://schemas.microsoft.com/office/drawing/2017/decorative" val="1"/>
+              </a:ext>
+            </a:extLst>
+          </p:cNvPr>
+          <p:cNvSpPr>
+            <a:spLocks noGrp="1" noRot="1" noChangeAspect="1" noMove="1" noResize="1" noEditPoints="1" noAdjustHandles="1" noChangeArrowheads="1" noChangeShapeType="1" noTextEdit="1"/>
+          </p:cNvSpPr>
+          <p:nvPr>
+            <p:extLst>
+              <p:ext uri="{386F3935-93C4-4BCD-93E2-E3B085C9AB24}">
+                <p16:designElem xmlns:p16="http://schemas.microsoft.com/office/powerpoint/2015/main" val="1"/>
+              </p:ext>
+            </p:extLst>
+          </p:nvPr>
+        </p:nvSpPr>
+        <p:spPr bwMode="ltGray">
+          <a:xfrm>
+            <a:off x="321564" y="320040"/>
+            <a:ext cx="11548872" cy="6217920"/>
+          </a:xfrm>
+          <a:prstGeom prst="rect">
+            <a:avLst/>
+          </a:prstGeom>
+          <a:solidFill>
+            <a:schemeClr val="tx1">
+              <a:alpha val="14000"/>
+            </a:schemeClr>
+          </a:solidFill>
+          <a:ln w="127000" cap="sq" cmpd="thinThick">
+            <a:solidFill>
+              <a:schemeClr val="tx1">
+                <a:lumMod val="85000"/>
+                <a:lumOff val="15000"/>
+                <a:alpha val="15000"/>
+              </a:schemeClr>
+            </a:solidFill>
+          </a:ln>
+        </p:spPr>
+        <p:style>
+          <a:lnRef idx="2">
+            <a:schemeClr val="accent1">
+              <a:shade val="50000"/>
+            </a:schemeClr>
+          </a:lnRef>
+          <a:fillRef idx="1">
+            <a:schemeClr val="accent1"/>
+          </a:fillRef>
+          <a:effectRef idx="0">
+            <a:schemeClr val="accent1"/>
+          </a:effectRef>
+          <a:fontRef idx="minor">
+            <a:schemeClr val="lt1"/>
+          </a:fontRef>
+        </p:style>
+        <p:txBody>
+          <a:bodyPr rtlCol="0" anchor="ctr"/>
+          <a:lstStyle/>
+          <a:p>
+            <a:pPr algn="ctr"/>
+            <a:endParaRPr lang="en-US"/>
+          </a:p>
+        </p:txBody>
+      </p:sp>
+      <p:sp>
+        <p:nvSpPr>
+          <p:cNvPr id="2" name="Title 1">
+            <a:extLst>
+              <a:ext uri="{FF2B5EF4-FFF2-40B4-BE49-F238E27FC236}">
+                <a16:creationId xmlns:a16="http://schemas.microsoft.com/office/drawing/2014/main" id="{FD941AC5-D366-4F3A-90F1-BEF2CC19D74C}"/>
+              </a:ext>
+            </a:extLst>
+          </p:cNvPr>
+          <p:cNvSpPr>
+            <a:spLocks noGrp="1"/>
+          </p:cNvSpPr>
+          <p:nvPr>
+            <p:ph type="title"/>
+          </p:nvPr>
+        </p:nvSpPr>
+        <p:spPr>
+          <a:xfrm>
+            <a:off x="838200" y="631825"/>
+            <a:ext cx="10515600" cy="1325563"/>
+          </a:xfrm>
+        </p:spPr>
+        <p:txBody>
+          <a:bodyPr>
+            <a:normAutofit/>
+          </a:bodyPr>
+          <a:lstStyle/>
+          <a:p>
+            <a:r>
+              <a:rPr lang="en-US" dirty="0"/>
+              <a:t>Hate Crime Datasets cont’d:</a:t>
+            </a:r>
+          </a:p>
+        </p:txBody>
+      </p:sp>
+      <p:sp>
+        <p:nvSpPr>
+          <p:cNvPr id="3" name="Content Placeholder 2">
+            <a:extLst>
+              <a:ext uri="{FF2B5EF4-FFF2-40B4-BE49-F238E27FC236}">
+                <a16:creationId xmlns:a16="http://schemas.microsoft.com/office/drawing/2014/main" id="{5D0E4B2D-E204-4850-A9BF-F49B44C74727}"/>
+              </a:ext>
+            </a:extLst>
+          </p:cNvPr>
+          <p:cNvSpPr>
+            <a:spLocks noGrp="1"/>
+          </p:cNvSpPr>
+          <p:nvPr>
+            <p:ph idx="1"/>
+          </p:nvPr>
+        </p:nvSpPr>
+        <p:spPr>
+          <a:xfrm>
+            <a:off x="838200" y="2057400"/>
+            <a:ext cx="10515600" cy="3871762"/>
+          </a:xfrm>
+        </p:spPr>
+        <p:txBody>
+          <a:bodyPr>
+            <a:normAutofit/>
+          </a:bodyPr>
+          <a:lstStyle/>
+          <a:p>
+            <a:pPr marL="0" indent="0">
+              <a:buNone/>
+            </a:pPr>
+            <a:endParaRPr lang="en-US" sz="1700" dirty="0"/>
+          </a:p>
+          <a:p>
+            <a:r>
+              <a:rPr lang="en-US" sz="2400" dirty="0"/>
+              <a:t>US Census: American Fact Finder Gini Index of Income Inequality</a:t>
+            </a:r>
+          </a:p>
+          <a:p>
+            <a:pPr lvl="1"/>
+            <a:r>
+              <a:rPr lang="en-US" sz="2000" dirty="0">
+                <a:hlinkClick r:id="rId2"/>
+              </a:rPr>
+              <a:t>https://factfinder.census.gov/faces/tableservices/jsf/pages/productview.xhtml?pid=ACS_10_1YR_B19083&amp;prodType=table</a:t>
+            </a:r>
+            <a:endParaRPr lang="en-US" sz="2800" dirty="0"/>
+          </a:p>
+          <a:p>
+            <a:pPr lvl="1"/>
+            <a:endParaRPr lang="en-US" sz="2000" dirty="0"/>
+          </a:p>
+          <a:p>
+            <a:r>
+              <a:rPr lang="en-US" sz="2400" dirty="0"/>
+              <a:t>MIT Election Data: Science Lab</a:t>
+            </a:r>
+          </a:p>
+          <a:p>
+            <a:pPr lvl="1"/>
+            <a:r>
+              <a:rPr lang="en-US" sz="2000" dirty="0">
+                <a:hlinkClick r:id="rId3"/>
+              </a:rPr>
+              <a:t>https://electionlab.mit.edu/</a:t>
+            </a:r>
+            <a:endParaRPr lang="en-US" sz="2000" dirty="0"/>
+          </a:p>
+          <a:p>
+            <a:pPr lvl="2"/>
+            <a:endParaRPr lang="en-US" sz="1600" dirty="0"/>
+          </a:p>
+          <a:p>
+            <a:r>
+              <a:rPr lang="en-US" sz="2400" dirty="0"/>
+              <a:t>Limitations: </a:t>
+            </a:r>
+          </a:p>
+          <a:p>
+            <a:pPr lvl="1"/>
+            <a:r>
+              <a:rPr lang="en-US" sz="2000" dirty="0"/>
+              <a:t>State level data is typically not as accurate, nor descriptive as city/local </a:t>
+            </a:r>
+            <a:r>
+              <a:rPr lang="en-US" sz="2000"/>
+              <a:t>data.</a:t>
+            </a:r>
+            <a:endParaRPr lang="en-US" sz="2000" dirty="0"/>
+          </a:p>
+        </p:txBody>
+      </p:sp>
+    </p:spTree>
+    <p:extLst>
+      <p:ext uri="{BB962C8B-B14F-4D97-AF65-F5344CB8AC3E}">
+        <p14:creationId xmlns:p14="http://schemas.microsoft.com/office/powerpoint/2010/main" val="2305445753"/>
+      </p:ext>
+    </p:extLst>
+  </p:cSld>
+  <p:clrMapOvr>
+    <a:masterClrMapping/>
+  </p:clrMapOvr>
+</p:sld>
+</file>
+
+<file path=ppt/slides/slide4.xml><?xml version="1.0" encoding="utf-8"?>
+<p:sld xmlns:a="http://schemas.openxmlformats.org/drawingml/2006/main" xmlns:r="http://schemas.openxmlformats.org/officeDocument/2006/relationships" xmlns:p="http://schemas.openxmlformats.org/presentationml/2006/main">
+  <p:cSld>
+    <p:bg>
+      <p:bgPr>
+        <a:solidFill>
+          <a:schemeClr val="bg1"/>
+        </a:solidFill>
+        <a:effectLst/>
+      </p:bgPr>
+    </p:bg>
+    <p:spTree>
+      <p:nvGrpSpPr>
+        <p:cNvPr id="1" name=""/>
+        <p:cNvGrpSpPr/>
+        <p:nvPr/>
+      </p:nvGrpSpPr>
+      <p:grpSpPr>
+        <a:xfrm>
+          <a:off x="0" y="0"/>
+          <a:ext cx="0" cy="0"/>
+          <a:chOff x="0" y="0"/>
+          <a:chExt cx="0" cy="0"/>
+        </a:xfrm>
+      </p:grpSpPr>
+      <p:sp>
+        <p:nvSpPr>
+          <p:cNvPr id="10" name="Rectangle 9">
+            <a:extLst>
+              <a:ext uri="{FF2B5EF4-FFF2-40B4-BE49-F238E27FC236}">
+                <a16:creationId xmlns:a16="http://schemas.microsoft.com/office/drawing/2014/main" id="{F98ED85F-DCEE-4B50-802E-71A6E3E12B04}"/>
+              </a:ext>
+              <a:ext uri="{C183D7F6-B498-43B3-948B-1728B52AA6E4}">
+                <adec:decorative xmlns:adec="http://schemas.microsoft.com/office/drawing/2017/decorative" val="1"/>
+              </a:ext>
+            </a:extLst>
+          </p:cNvPr>
+          <p:cNvSpPr>
+            <a:spLocks noGrp="1" noRot="1" noChangeAspect="1" noMove="1" noResize="1" noEditPoints="1" noAdjustHandles="1" noChangeArrowheads="1" noChangeShapeType="1" noTextEdit="1"/>
+          </p:cNvSpPr>
+          <p:nvPr>
+            <p:extLst>
+              <p:ext uri="{386F3935-93C4-4BCD-93E2-E3B085C9AB24}">
+                <p16:designElem xmlns:p16="http://schemas.microsoft.com/office/powerpoint/2015/main" val="1"/>
+              </p:ext>
+            </p:extLst>
+          </p:nvPr>
+        </p:nvSpPr>
+        <p:spPr bwMode="ltGray">
+          <a:xfrm>
+            <a:off x="321564" y="320040"/>
+            <a:ext cx="11548872" cy="6217920"/>
+          </a:xfrm>
+          <a:prstGeom prst="rect">
+            <a:avLst/>
+          </a:prstGeom>
+          <a:solidFill>
+            <a:schemeClr val="tx1">
+              <a:alpha val="14000"/>
+            </a:schemeClr>
+          </a:solidFill>
+          <a:ln w="127000" cap="sq" cmpd="thinThick">
+            <a:solidFill>
+              <a:schemeClr val="tx1">
+                <a:lumMod val="85000"/>
+                <a:lumOff val="15000"/>
+                <a:alpha val="15000"/>
+              </a:schemeClr>
+            </a:solidFill>
+          </a:ln>
+        </p:spPr>
+        <p:style>
+          <a:lnRef idx="2">
+            <a:schemeClr val="accent1">
+              <a:shade val="50000"/>
+            </a:schemeClr>
+          </a:lnRef>
+          <a:fillRef idx="1">
+            <a:schemeClr val="accent1"/>
+          </a:fillRef>
+          <a:effectRef idx="0">
+            <a:schemeClr val="accent1"/>
+          </a:effectRef>
+          <a:fontRef idx="minor">
+            <a:schemeClr val="lt1"/>
+          </a:fontRef>
+        </p:style>
+        <p:txBody>
+          <a:bodyPr rtlCol="0" anchor="ctr"/>
+          <a:lstStyle/>
+          <a:p>
+            <a:pPr algn="ctr"/>
+            <a:endParaRPr lang="en-US"/>
+          </a:p>
+        </p:txBody>
+      </p:sp>
+      <p:sp>
+        <p:nvSpPr>
+          <p:cNvPr id="4" name="Title 3">
+            <a:extLst>
+              <a:ext uri="{FF2B5EF4-FFF2-40B4-BE49-F238E27FC236}">
+                <a16:creationId xmlns:a16="http://schemas.microsoft.com/office/drawing/2014/main" id="{8E25E34F-668C-4540-8F90-C2B5B5CC65D5}"/>
+              </a:ext>
+            </a:extLst>
+          </p:cNvPr>
+          <p:cNvSpPr>
+            <a:spLocks noGrp="1"/>
+          </p:cNvSpPr>
+          <p:nvPr>
+            <p:ph type="title"/>
+          </p:nvPr>
+        </p:nvSpPr>
+        <p:spPr>
+          <a:xfrm>
+            <a:off x="838200" y="631825"/>
+            <a:ext cx="10515600" cy="1325563"/>
+          </a:xfrm>
+        </p:spPr>
+        <p:txBody>
+          <a:bodyPr>
+            <a:normAutofit/>
+          </a:bodyPr>
+          <a:lstStyle/>
+          <a:p>
+            <a:r>
+              <a:rPr lang="en-US" dirty="0"/>
+              <a:t>Describe basic stats</a:t>
+            </a:r>
+          </a:p>
+        </p:txBody>
+      </p:sp>
+      <p:sp>
+        <p:nvSpPr>
+          <p:cNvPr id="5" name="Content Placeholder 4">
+            <a:extLst>
+              <a:ext uri="{FF2B5EF4-FFF2-40B4-BE49-F238E27FC236}">
+                <a16:creationId xmlns:a16="http://schemas.microsoft.com/office/drawing/2014/main" id="{FD830E9C-8A59-4ECC-B2C0-C421E52B768B}"/>
+              </a:ext>
+            </a:extLst>
+          </p:cNvPr>
+          <p:cNvSpPr>
+            <a:spLocks noGrp="1"/>
+          </p:cNvSpPr>
+          <p:nvPr>
+            <p:ph idx="1"/>
+          </p:nvPr>
+        </p:nvSpPr>
+        <p:spPr>
+          <a:xfrm>
+            <a:off x="838200" y="2057400"/>
+            <a:ext cx="10515600" cy="3871762"/>
+          </a:xfrm>
+        </p:spPr>
+        <p:txBody>
+          <a:bodyPr>
+            <a:normAutofit/>
+          </a:bodyPr>
+          <a:lstStyle/>
+          <a:p>
+            <a:endParaRPr lang="en-US" sz="2400"/>
+          </a:p>
+        </p:txBody>
+      </p:sp>
+    </p:spTree>
+    <p:extLst>
+      <p:ext uri="{BB962C8B-B14F-4D97-AF65-F5344CB8AC3E}">
+        <p14:creationId xmlns:p14="http://schemas.microsoft.com/office/powerpoint/2010/main" val="3966133736"/>
+      </p:ext>
+    </p:extLst>
+  </p:cSld>
+  <p:clrMapOvr>
+    <a:masterClrMapping/>
+  </p:clrMapOvr>
+</p:sld>
+</file>
+
+<file path=ppt/slides/slide5.xml><?xml version="1.0" encoding="utf-8"?>
+<p:sld xmlns:a="http://schemas.openxmlformats.org/drawingml/2006/main" xmlns:r="http://schemas.openxmlformats.org/officeDocument/2006/relationships" xmlns:p="http://schemas.openxmlformats.org/presentationml/2006/main">
+  <p:cSld>
+    <p:bg>
+      <p:bgPr>
+        <a:solidFill>
+          <a:schemeClr val="bg1"/>
+        </a:solidFill>
+        <a:effectLst/>
+      </p:bgPr>
+    </p:bg>
+    <p:spTree>
+      <p:nvGrpSpPr>
+        <p:cNvPr id="1" name=""/>
+        <p:cNvGrpSpPr/>
+        <p:nvPr/>
+      </p:nvGrpSpPr>
+      <p:grpSpPr>
+        <a:xfrm>
+          <a:off x="0" y="0"/>
+          <a:ext cx="0" cy="0"/>
+          <a:chOff x="0" y="0"/>
+          <a:chExt cx="0" cy="0"/>
+        </a:xfrm>
+      </p:grpSpPr>
+      <p:sp>
+        <p:nvSpPr>
+          <p:cNvPr id="30" name="Rectangle 7">
+            <a:extLst>
+              <a:ext uri="{FF2B5EF4-FFF2-40B4-BE49-F238E27FC236}">
+                <a16:creationId xmlns:a16="http://schemas.microsoft.com/office/drawing/2014/main" id="{D8386171-E87D-46AB-8718-4CE2A88748BD}"/>
+              </a:ext>
+              <a:ext uri="{C183D7F6-B498-43B3-948B-1728B52AA6E4}">
+                <adec:decorative xmlns:adec="http://schemas.microsoft.com/office/drawing/2017/decorative" val="1"/>
+              </a:ext>
+            </a:extLst>
+          </p:cNvPr>
+          <p:cNvSpPr>
+            <a:spLocks noGrp="1" noRot="1" noChangeAspect="1" noMove="1" noResize="1" noEditPoints="1" noAdjustHandles="1" noChangeArrowheads="1" noChangeShapeType="1" noTextEdit="1"/>
+          </p:cNvSpPr>
+          <p:nvPr>
+            <p:extLst>
+              <p:ext uri="{386F3935-93C4-4BCD-93E2-E3B085C9AB24}">
+                <p16:designElem xmlns:p16="http://schemas.microsoft.com/office/powerpoint/2015/main" val="1"/>
+              </p:ext>
+            </p:extLst>
+          </p:nvPr>
+        </p:nvSpPr>
+        <p:spPr>
+          <a:xfrm>
+            <a:off x="0" y="0"/>
+            <a:ext cx="12192000" cy="6858000"/>
+          </a:xfrm>
+          <a:prstGeom prst="rect">
+            <a:avLst/>
+          </a:prstGeom>
+          <a:solidFill>
+            <a:srgbClr val="C8CACA"/>
+          </a:solidFill>
+          <a:ln>
+            <a:noFill/>
+          </a:ln>
+        </p:spPr>
+        <p:style>
+          <a:lnRef idx="2">
+            <a:schemeClr val="accent1">
+              <a:shade val="50000"/>
+            </a:schemeClr>
+          </a:lnRef>
+          <a:fillRef idx="1">
+            <a:schemeClr val="accent1"/>
+          </a:fillRef>
+          <a:effectRef idx="0">
+            <a:schemeClr val="accent1"/>
+          </a:effectRef>
+          <a:fontRef idx="minor">
+            <a:schemeClr val="lt1"/>
+          </a:fontRef>
+        </p:style>
+        <p:txBody>
+          <a:bodyPr rtlCol="0" anchor="ctr"/>
+          <a:lstStyle/>
+          <a:p>
+            <a:pPr algn="ctr"/>
+            <a:endParaRPr lang="en-US"/>
+          </a:p>
+        </p:txBody>
+      </p:sp>
+      <p:sp>
+        <p:nvSpPr>
+          <p:cNvPr id="31" name="Rounded Rectangle 26">
+            <a:extLst>
+              <a:ext uri="{FF2B5EF4-FFF2-40B4-BE49-F238E27FC236}">
+                <a16:creationId xmlns:a16="http://schemas.microsoft.com/office/drawing/2014/main" id="{207CB456-8849-413C-8210-B663779A32E0}"/>
+              </a:ext>
+              <a:ext uri="{C183D7F6-B498-43B3-948B-1728B52AA6E4}">
+                <adec:decorative xmlns:adec="http://schemas.microsoft.com/office/drawing/2017/decorative" val="1"/>
+              </a:ext>
+            </a:extLst>
+          </p:cNvPr>
+          <p:cNvSpPr>
+            <a:spLocks noGrp="1" noRot="1" noChangeAspect="1" noMove="1" noResize="1" noEditPoints="1" noAdjustHandles="1" noChangeArrowheads="1" noChangeShapeType="1" noTextEdit="1"/>
+          </p:cNvSpPr>
+          <p:nvPr>
+            <p:extLst>
+              <p:ext uri="{386F3935-93C4-4BCD-93E2-E3B085C9AB24}">
+                <p16:designElem xmlns:p16="http://schemas.microsoft.com/office/powerpoint/2015/main" val="1"/>
+              </p:ext>
+            </p:extLst>
+          </p:nvPr>
+        </p:nvSpPr>
+        <p:spPr>
+          <a:xfrm>
+            <a:off x="646745" y="640080"/>
+            <a:ext cx="10920415" cy="5577818"/>
+          </a:xfrm>
+          <a:prstGeom prst="roundRect">
+            <a:avLst>
+              <a:gd name="adj" fmla="val 0"/>
+            </a:avLst>
+          </a:prstGeom>
+          <a:solidFill>
+            <a:srgbClr val="FFFFFF"/>
+          </a:solidFill>
+          <a:ln w="9525">
+            <a:solidFill>
+              <a:srgbClr val="C8CACA"/>
+            </a:solidFill>
+          </a:ln>
+          <a:effectLst>
+            <a:outerShdw blurRad="57150" dist="19050" dir="5400000" algn="t" rotWithShape="0">
+              <a:prstClr val="black">
+                <a:alpha val="63000"/>
+              </a:prstClr>
+            </a:outerShdw>
+          </a:effectLst>
+        </p:spPr>
+        <p:style>
+          <a:lnRef idx="2">
+            <a:schemeClr val="accent1">
+              <a:shade val="50000"/>
+            </a:schemeClr>
+          </a:lnRef>
+          <a:fillRef idx="1">
+            <a:schemeClr val="accent1"/>
+          </a:fillRef>
+          <a:effectRef idx="0">
+            <a:schemeClr val="accent1"/>
+          </a:effectRef>
+          <a:fontRef idx="minor">
+            <a:schemeClr val="lt1"/>
+          </a:fontRef>
+        </p:style>
+        <p:txBody>
+          <a:bodyPr rtlCol="0" anchor="ctr"/>
+          <a:lstStyle/>
+          <a:p>
+            <a:pPr algn="ctr"/>
+            <a:endParaRPr lang="en-US"/>
+          </a:p>
+        </p:txBody>
+      </p:sp>
+      <p:sp>
+        <p:nvSpPr>
+          <p:cNvPr id="32" name="Rectangle 11">
+            <a:extLst>
+              <a:ext uri="{FF2B5EF4-FFF2-40B4-BE49-F238E27FC236}">
+                <a16:creationId xmlns:a16="http://schemas.microsoft.com/office/drawing/2014/main" id="{E513936D-D1EB-4E42-A97F-942BA1F3DFA7}"/>
+              </a:ext>
+              <a:ext uri="{C183D7F6-B498-43B3-948B-1728B52AA6E4}">
+                <adec:decorative xmlns:adec="http://schemas.microsoft.com/office/drawing/2017/decorative" val="1"/>
+              </a:ext>
+            </a:extLst>
+          </p:cNvPr>
+          <p:cNvSpPr>
+            <a:spLocks noGrp="1" noRot="1" noChangeAspect="1" noMove="1" noResize="1" noEditPoints="1" noAdjustHandles="1" noChangeArrowheads="1" noChangeShapeType="1" noTextEdit="1"/>
+          </p:cNvSpPr>
+          <p:nvPr>
+            <p:extLst>
+              <p:ext uri="{386F3935-93C4-4BCD-93E2-E3B085C9AB24}">
+                <p16:designElem xmlns:p16="http://schemas.microsoft.com/office/powerpoint/2015/main" val="1"/>
+              </p:ext>
+            </p:extLst>
+          </p:nvPr>
+        </p:nvSpPr>
+        <p:spPr>
+          <a:xfrm>
+            <a:off x="968024" y="960109"/>
+            <a:ext cx="10277856" cy="4937760"/>
+          </a:xfrm>
+          <a:prstGeom prst="rect">
+            <a:avLst/>
+          </a:prstGeom>
+          <a:solidFill>
+            <a:schemeClr val="bg2"/>
+          </a:solidFill>
+          <a:ln>
+            <a:noFill/>
+          </a:ln>
+        </p:spPr>
+        <p:style>
+          <a:lnRef idx="2">
+            <a:schemeClr val="accent1">
+              <a:shade val="50000"/>
+            </a:schemeClr>
+          </a:lnRef>
+          <a:fillRef idx="1">
+            <a:schemeClr val="accent1"/>
+          </a:fillRef>
+          <a:effectRef idx="0">
+            <a:schemeClr val="accent1"/>
+          </a:effectRef>
+          <a:fontRef idx="minor">
+            <a:schemeClr val="lt1"/>
+          </a:fontRef>
+        </p:style>
+        <p:txBody>
+          <a:bodyPr rtlCol="0" anchor="ctr"/>
+          <a:lstStyle/>
+          <a:p>
+            <a:pPr algn="ctr"/>
+            <a:endParaRPr lang="en-US"/>
+          </a:p>
+        </p:txBody>
+      </p:sp>
+      <p:sp>
+        <p:nvSpPr>
+          <p:cNvPr id="2" name="Title 1">
+            <a:extLst>
+              <a:ext uri="{FF2B5EF4-FFF2-40B4-BE49-F238E27FC236}">
+                <a16:creationId xmlns:a16="http://schemas.microsoft.com/office/drawing/2014/main" id="{28750D29-79F8-4FE9-BE40-B7BAE2B1F7B9}"/>
+              </a:ext>
+            </a:extLst>
+          </p:cNvPr>
+          <p:cNvSpPr>
+            <a:spLocks noGrp="1"/>
+          </p:cNvSpPr>
+          <p:nvPr>
+            <p:ph type="title"/>
+          </p:nvPr>
+        </p:nvSpPr>
+        <p:spPr>
+          <a:xfrm>
+            <a:off x="1524000" y="1376362"/>
+            <a:ext cx="9144000" cy="2603274"/>
+          </a:xfrm>
+        </p:spPr>
+        <p:txBody>
+          <a:bodyPr vert="horz" lIns="91440" tIns="45720" rIns="91440" bIns="45720" rtlCol="0" anchor="b">
+            <a:normAutofit/>
+          </a:bodyPr>
+          <a:lstStyle/>
+          <a:p>
+            <a:pPr algn="ctr"/>
+            <a:r>
+              <a:rPr lang="en-US" sz="5400" kern="1200">
+                <a:solidFill>
+                  <a:schemeClr val="tx1"/>
+                </a:solidFill>
+                <a:latin typeface="+mj-lt"/>
+                <a:ea typeface="+mj-ea"/>
+                <a:cs typeface="+mj-cs"/>
+              </a:rPr>
+              <a:t>Socioeconomic Analysis:</a:t>
+            </a:r>
+          </a:p>
+        </p:txBody>
+      </p:sp>
+      <p:sp>
+        <p:nvSpPr>
+          <p:cNvPr id="3" name="Text Placeholder 2">
+            <a:extLst>
+              <a:ext uri="{FF2B5EF4-FFF2-40B4-BE49-F238E27FC236}">
+                <a16:creationId xmlns:a16="http://schemas.microsoft.com/office/drawing/2014/main" id="{FC6A2D2E-209A-47B0-A00D-E3A7C76B1FF6}"/>
+              </a:ext>
+            </a:extLst>
+          </p:cNvPr>
+          <p:cNvSpPr>
+            <a:spLocks noGrp="1"/>
+          </p:cNvSpPr>
+          <p:nvPr>
+            <p:ph type="body" idx="1"/>
+          </p:nvPr>
+        </p:nvSpPr>
+        <p:spPr>
+          <a:xfrm>
+            <a:off x="1524000" y="4118088"/>
+            <a:ext cx="9144000" cy="1393711"/>
+          </a:xfrm>
+        </p:spPr>
+        <p:txBody>
+          <a:bodyPr vert="horz" lIns="91440" tIns="45720" rIns="91440" bIns="45720" rtlCol="0">
+            <a:normAutofit/>
+          </a:bodyPr>
+          <a:lstStyle/>
+          <a:p>
+            <a:r>
+              <a:rPr lang="en-US" sz="2400" kern="1200" dirty="0">
+                <a:solidFill>
+                  <a:schemeClr val="tx1"/>
+                </a:solidFill>
+                <a:latin typeface="+mn-lt"/>
+                <a:ea typeface="+mn-ea"/>
+                <a:cs typeface="+mn-cs"/>
+              </a:rPr>
+              <a:t>Hypothesis: </a:t>
+            </a:r>
+          </a:p>
+        </p:txBody>
+      </p:sp>
+    </p:spTree>
+    <p:extLst>
+      <p:ext uri="{BB962C8B-B14F-4D97-AF65-F5344CB8AC3E}">
+        <p14:creationId xmlns:p14="http://schemas.microsoft.com/office/powerpoint/2010/main" val="3593529453"/>
       </p:ext>
     </p:extLst>
   </p:cSld>

--- a/Hate_Crime_Study.pptx
+++ b/Hate_Crime_Study.pptx
@@ -154,7 +154,7 @@
   <pc:docChgLst>
     <pc:chgData name="Zachary Grinacoff" userId="f4ab6bb43d9bbc24" providerId="LiveId" clId="{7E52E15B-118E-48E1-BFC4-0F09364210F9}"/>
     <pc:docChg chg="undo custSel mod addSld delSld modSld sldOrd">
-      <pc:chgData name="Zachary Grinacoff" userId="f4ab6bb43d9bbc24" providerId="LiveId" clId="{7E52E15B-118E-48E1-BFC4-0F09364210F9}" dt="2019-07-13T03:25:18.127" v="7417" actId="2696"/>
+      <pc:chgData name="Zachary Grinacoff" userId="f4ab6bb43d9bbc24" providerId="LiveId" clId="{7E52E15B-118E-48E1-BFC4-0F09364210F9}" dt="2019-07-13T17:01:40.635" v="7420" actId="26606"/>
       <pc:docMkLst>
         <pc:docMk/>
       </pc:docMkLst>
@@ -1931,6 +1931,60 @@
             <ac:picMk id="6" creationId="{D3270332-5158-4E53-B181-034188EBAD06}"/>
           </ac:picMkLst>
         </pc:picChg>
+      </pc:sldChg>
+      <pc:sldChg chg="modSp">
+        <pc:chgData name="Zachary Grinacoff" userId="f4ab6bb43d9bbc24" providerId="LiveId" clId="{7E52E15B-118E-48E1-BFC4-0F09364210F9}" dt="2019-07-13T17:00:38.213" v="7419" actId="20577"/>
+        <pc:sldMkLst>
+          <pc:docMk/>
+          <pc:sldMk cId="3022846578" sldId="292"/>
+        </pc:sldMkLst>
+        <pc:spChg chg="mod">
+          <ac:chgData name="Zachary Grinacoff" userId="f4ab6bb43d9bbc24" providerId="LiveId" clId="{7E52E15B-118E-48E1-BFC4-0F09364210F9}" dt="2019-07-13T17:00:38.213" v="7419" actId="20577"/>
+          <ac:spMkLst>
+            <pc:docMk/>
+            <pc:sldMk cId="3022846578" sldId="292"/>
+            <ac:spMk id="4" creationId="{C47732D1-05C6-470D-8009-E0651E4709D8}"/>
+          </ac:spMkLst>
+        </pc:spChg>
+      </pc:sldChg>
+      <pc:sldChg chg="addSp modSp mod setBg">
+        <pc:chgData name="Zachary Grinacoff" userId="f4ab6bb43d9bbc24" providerId="LiveId" clId="{7E52E15B-118E-48E1-BFC4-0F09364210F9}" dt="2019-07-13T17:01:40.635" v="7420" actId="26606"/>
+        <pc:sldMkLst>
+          <pc:docMk/>
+          <pc:sldMk cId="3915197440" sldId="293"/>
+        </pc:sldMkLst>
+        <pc:spChg chg="mod">
+          <ac:chgData name="Zachary Grinacoff" userId="f4ab6bb43d9bbc24" providerId="LiveId" clId="{7E52E15B-118E-48E1-BFC4-0F09364210F9}" dt="2019-07-13T17:01:40.635" v="7420" actId="26606"/>
+          <ac:spMkLst>
+            <pc:docMk/>
+            <pc:sldMk cId="3915197440" sldId="293"/>
+            <ac:spMk id="2" creationId="{2C4F433C-2C98-4FA0-BA18-A102581398A4}"/>
+          </ac:spMkLst>
+        </pc:spChg>
+        <pc:spChg chg="mod">
+          <ac:chgData name="Zachary Grinacoff" userId="f4ab6bb43d9bbc24" providerId="LiveId" clId="{7E52E15B-118E-48E1-BFC4-0F09364210F9}" dt="2019-07-13T17:01:40.635" v="7420" actId="26606"/>
+          <ac:spMkLst>
+            <pc:docMk/>
+            <pc:sldMk cId="3915197440" sldId="293"/>
+            <ac:spMk id="3" creationId="{E0CD6695-FBE1-4D80-912C-75E823FCC365}"/>
+          </ac:spMkLst>
+        </pc:spChg>
+        <pc:spChg chg="add">
+          <ac:chgData name="Zachary Grinacoff" userId="f4ab6bb43d9bbc24" providerId="LiveId" clId="{7E52E15B-118E-48E1-BFC4-0F09364210F9}" dt="2019-07-13T17:01:40.635" v="7420" actId="26606"/>
+          <ac:spMkLst>
+            <pc:docMk/>
+            <pc:sldMk cId="3915197440" sldId="293"/>
+            <ac:spMk id="8" creationId="{8D70B121-56F4-4848-B38B-182089D909FA}"/>
+          </ac:spMkLst>
+        </pc:spChg>
+        <pc:cxnChg chg="add">
+          <ac:chgData name="Zachary Grinacoff" userId="f4ab6bb43d9bbc24" providerId="LiveId" clId="{7E52E15B-118E-48E1-BFC4-0F09364210F9}" dt="2019-07-13T17:01:40.635" v="7420" actId="26606"/>
+          <ac:cxnSpMkLst>
+            <pc:docMk/>
+            <pc:sldMk cId="3915197440" sldId="293"/>
+            <ac:cxnSpMk id="10" creationId="{2D72A2C9-F3CA-4216-8BAD-FA4C970C3C4E}"/>
+          </ac:cxnSpMkLst>
+        </pc:cxnChg>
       </pc:sldChg>
     </pc:docChg>
   </pc:docChgLst>
@@ -14700,7 +14754,7 @@
           <a:p>
             <a:fld id="{468C4063-5A52-4EC2-BC3D-71FE056EFFE9}" type="datetimeFigureOut">
               <a:rPr lang="en-US" smtClean="0"/>
-              <a:t>7/12/2019</a:t>
+              <a:t>7/13/2019</a:t>
             </a:fld>
             <a:endParaRPr lang="en-US"/>
           </a:p>
@@ -14898,7 +14952,7 @@
           <a:p>
             <a:fld id="{468C4063-5A52-4EC2-BC3D-71FE056EFFE9}" type="datetimeFigureOut">
               <a:rPr lang="en-US" smtClean="0"/>
-              <a:t>7/12/2019</a:t>
+              <a:t>7/13/2019</a:t>
             </a:fld>
             <a:endParaRPr lang="en-US"/>
           </a:p>
@@ -15106,7 +15160,7 @@
           <a:p>
             <a:fld id="{468C4063-5A52-4EC2-BC3D-71FE056EFFE9}" type="datetimeFigureOut">
               <a:rPr lang="en-US" smtClean="0"/>
-              <a:t>7/12/2019</a:t>
+              <a:t>7/13/2019</a:t>
             </a:fld>
             <a:endParaRPr lang="en-US"/>
           </a:p>
@@ -15350,7 +15404,7 @@
           <a:p>
             <a:fld id="{468C4063-5A52-4EC2-BC3D-71FE056EFFE9}" type="datetimeFigureOut">
               <a:rPr lang="en-US" smtClean="0"/>
-              <a:t>7/12/2019</a:t>
+              <a:t>7/13/2019</a:t>
             </a:fld>
             <a:endParaRPr lang="en-US"/>
           </a:p>
@@ -15555,7 +15609,7 @@
           <a:p>
             <a:fld id="{468C4063-5A52-4EC2-BC3D-71FE056EFFE9}" type="datetimeFigureOut">
               <a:rPr lang="en-US" smtClean="0"/>
-              <a:t>7/12/2019</a:t>
+              <a:t>7/13/2019</a:t>
             </a:fld>
             <a:endParaRPr lang="en-US"/>
           </a:p>
@@ -15835,7 +15889,7 @@
           <a:p>
             <a:fld id="{468C4063-5A52-4EC2-BC3D-71FE056EFFE9}" type="datetimeFigureOut">
               <a:rPr lang="en-US" smtClean="0"/>
-              <a:t>7/12/2019</a:t>
+              <a:t>7/13/2019</a:t>
             </a:fld>
             <a:endParaRPr lang="en-US"/>
           </a:p>
@@ -16102,7 +16156,7 @@
           <a:p>
             <a:fld id="{468C4063-5A52-4EC2-BC3D-71FE056EFFE9}" type="datetimeFigureOut">
               <a:rPr lang="en-US" smtClean="0"/>
-              <a:t>7/12/2019</a:t>
+              <a:t>7/13/2019</a:t>
             </a:fld>
             <a:endParaRPr lang="en-US"/>
           </a:p>
@@ -16517,7 +16571,7 @@
           <a:p>
             <a:fld id="{468C4063-5A52-4EC2-BC3D-71FE056EFFE9}" type="datetimeFigureOut">
               <a:rPr lang="en-US" smtClean="0"/>
-              <a:t>7/12/2019</a:t>
+              <a:t>7/13/2019</a:t>
             </a:fld>
             <a:endParaRPr lang="en-US"/>
           </a:p>
@@ -16665,7 +16719,7 @@
           <a:p>
             <a:fld id="{468C4063-5A52-4EC2-BC3D-71FE056EFFE9}" type="datetimeFigureOut">
               <a:rPr lang="en-US" smtClean="0"/>
-              <a:t>7/12/2019</a:t>
+              <a:t>7/13/2019</a:t>
             </a:fld>
             <a:endParaRPr lang="en-US"/>
           </a:p>
@@ -16790,7 +16844,7 @@
           <a:p>
             <a:fld id="{468C4063-5A52-4EC2-BC3D-71FE056EFFE9}" type="datetimeFigureOut">
               <a:rPr lang="en-US" smtClean="0"/>
-              <a:t>7/12/2019</a:t>
+              <a:t>7/13/2019</a:t>
             </a:fld>
             <a:endParaRPr lang="en-US"/>
           </a:p>
@@ -17069,7 +17123,7 @@
           <a:p>
             <a:fld id="{468C4063-5A52-4EC2-BC3D-71FE056EFFE9}" type="datetimeFigureOut">
               <a:rPr lang="en-US" smtClean="0"/>
-              <a:t>7/12/2019</a:t>
+              <a:t>7/13/2019</a:t>
             </a:fld>
             <a:endParaRPr lang="en-US"/>
           </a:p>
@@ -17255,7 +17309,7 @@
           <a:p>
             <a:fld id="{468C4063-5A52-4EC2-BC3D-71FE056EFFE9}" type="datetimeFigureOut">
               <a:rPr lang="en-US" smtClean="0"/>
-              <a:t>7/12/2019</a:t>
+              <a:t>7/13/2019</a:t>
             </a:fld>
             <a:endParaRPr lang="en-US"/>
           </a:p>
@@ -17579,7 +17633,7 @@
           <a:p>
             <a:fld id="{468C4063-5A52-4EC2-BC3D-71FE056EFFE9}" type="datetimeFigureOut">
               <a:rPr lang="en-US" smtClean="0"/>
-              <a:t>7/12/2019</a:t>
+              <a:t>7/13/2019</a:t>
             </a:fld>
             <a:endParaRPr lang="en-US"/>
           </a:p>
@@ -17891,7 +17945,7 @@
           <a:p>
             <a:fld id="{468C4063-5A52-4EC2-BC3D-71FE056EFFE9}" type="datetimeFigureOut">
               <a:rPr lang="en-US" smtClean="0"/>
-              <a:t>7/12/2019</a:t>
+              <a:t>7/13/2019</a:t>
             </a:fld>
             <a:endParaRPr lang="en-US"/>
           </a:p>
@@ -18113,7 +18167,7 @@
           <a:p>
             <a:fld id="{468C4063-5A52-4EC2-BC3D-71FE056EFFE9}" type="datetimeFigureOut">
               <a:rPr lang="en-US" smtClean="0"/>
-              <a:t>7/12/2019</a:t>
+              <a:t>7/13/2019</a:t>
             </a:fld>
             <a:endParaRPr lang="en-US"/>
           </a:p>
@@ -18404,7 +18458,7 @@
           <a:p>
             <a:fld id="{468C4063-5A52-4EC2-BC3D-71FE056EFFE9}" type="datetimeFigureOut">
               <a:rPr lang="en-US" smtClean="0"/>
-              <a:t>7/12/2019</a:t>
+              <a:t>7/13/2019</a:t>
             </a:fld>
             <a:endParaRPr lang="en-US"/>
           </a:p>
@@ -18858,7 +18912,7 @@
           <a:p>
             <a:fld id="{468C4063-5A52-4EC2-BC3D-71FE056EFFE9}" type="datetimeFigureOut">
               <a:rPr lang="en-US" smtClean="0"/>
-              <a:t>7/12/2019</a:t>
+              <a:t>7/13/2019</a:t>
             </a:fld>
             <a:endParaRPr lang="en-US"/>
           </a:p>
@@ -19434,7 +19488,7 @@
           <a:p>
             <a:fld id="{468C4063-5A52-4EC2-BC3D-71FE056EFFE9}" type="datetimeFigureOut">
               <a:rPr lang="en-US" smtClean="0"/>
-              <a:t>7/12/2019</a:t>
+              <a:t>7/13/2019</a:t>
             </a:fld>
             <a:endParaRPr lang="en-US"/>
           </a:p>
@@ -20286,7 +20340,7 @@
           <a:p>
             <a:fld id="{468C4063-5A52-4EC2-BC3D-71FE056EFFE9}" type="datetimeFigureOut">
               <a:rPr lang="en-US" smtClean="0"/>
-              <a:t>7/12/2019</a:t>
+              <a:t>7/13/2019</a:t>
             </a:fld>
             <a:endParaRPr lang="en-US"/>
           </a:p>
@@ -20491,7 +20545,7 @@
           <a:p>
             <a:fld id="{468C4063-5A52-4EC2-BC3D-71FE056EFFE9}" type="datetimeFigureOut">
               <a:rPr lang="en-US" smtClean="0"/>
-              <a:t>7/12/2019</a:t>
+              <a:t>7/13/2019</a:t>
             </a:fld>
             <a:endParaRPr lang="en-US"/>
           </a:p>
@@ -20705,7 +20759,7 @@
           <a:p>
             <a:fld id="{468C4063-5A52-4EC2-BC3D-71FE056EFFE9}" type="datetimeFigureOut">
               <a:rPr lang="en-US" smtClean="0"/>
-              <a:t>7/12/2019</a:t>
+              <a:t>7/13/2019</a:t>
             </a:fld>
             <a:endParaRPr lang="en-US"/>
           </a:p>
@@ -20958,7 +21012,7 @@
           <a:p>
             <a:fld id="{468C4063-5A52-4EC2-BC3D-71FE056EFFE9}" type="datetimeFigureOut">
               <a:rPr lang="en-US" smtClean="0"/>
-              <a:t>7/12/2019</a:t>
+              <a:t>7/13/2019</a:t>
             </a:fld>
             <a:endParaRPr lang="en-US"/>
           </a:p>
@@ -21233,7 +21287,7 @@
           <a:p>
             <a:fld id="{468C4063-5A52-4EC2-BC3D-71FE056EFFE9}" type="datetimeFigureOut">
               <a:rPr lang="en-US" smtClean="0"/>
-              <a:t>7/12/2019</a:t>
+              <a:t>7/13/2019</a:t>
             </a:fld>
             <a:endParaRPr lang="en-US"/>
           </a:p>
@@ -21808,7 +21862,7 @@
           <a:p>
             <a:fld id="{468C4063-5A52-4EC2-BC3D-71FE056EFFE9}" type="datetimeFigureOut">
               <a:rPr lang="en-US" smtClean="0"/>
-              <a:t>7/12/2019</a:t>
+              <a:t>7/13/2019</a:t>
             </a:fld>
             <a:endParaRPr lang="en-US"/>
           </a:p>
@@ -21983,7 +22037,7 @@
           <a:p>
             <a:fld id="{468C4063-5A52-4EC2-BC3D-71FE056EFFE9}" type="datetimeFigureOut">
               <a:rPr lang="en-US" smtClean="0"/>
-              <a:t>7/12/2019</a:t>
+              <a:t>7/13/2019</a:t>
             </a:fld>
             <a:endParaRPr lang="en-US"/>
           </a:p>
@@ -22234,7 +22288,7 @@
           <a:p>
             <a:fld id="{468C4063-5A52-4EC2-BC3D-71FE056EFFE9}" type="datetimeFigureOut">
               <a:rPr lang="en-US" smtClean="0"/>
-              <a:t>7/12/2019</a:t>
+              <a:t>7/13/2019</a:t>
             </a:fld>
             <a:endParaRPr lang="en-US"/>
           </a:p>
@@ -22531,7 +22585,7 @@
           <a:p>
             <a:fld id="{468C4063-5A52-4EC2-BC3D-71FE056EFFE9}" type="datetimeFigureOut">
               <a:rPr lang="en-US" smtClean="0"/>
-              <a:t>7/12/2019</a:t>
+              <a:t>7/13/2019</a:t>
             </a:fld>
             <a:endParaRPr lang="en-US"/>
           </a:p>
@@ -22973,7 +23027,7 @@
           <a:p>
             <a:fld id="{468C4063-5A52-4EC2-BC3D-71FE056EFFE9}" type="datetimeFigureOut">
               <a:rPr lang="en-US" smtClean="0"/>
-              <a:t>7/12/2019</a:t>
+              <a:t>7/13/2019</a:t>
             </a:fld>
             <a:endParaRPr lang="en-US"/>
           </a:p>
@@ -23091,7 +23145,7 @@
           <a:p>
             <a:fld id="{468C4063-5A52-4EC2-BC3D-71FE056EFFE9}" type="datetimeFigureOut">
               <a:rPr lang="en-US" smtClean="0"/>
-              <a:t>7/12/2019</a:t>
+              <a:t>7/13/2019</a:t>
             </a:fld>
             <a:endParaRPr lang="en-US"/>
           </a:p>
@@ -23186,7 +23240,7 @@
           <a:p>
             <a:fld id="{468C4063-5A52-4EC2-BC3D-71FE056EFFE9}" type="datetimeFigureOut">
               <a:rPr lang="en-US" smtClean="0"/>
-              <a:t>7/12/2019</a:t>
+              <a:t>7/13/2019</a:t>
             </a:fld>
             <a:endParaRPr lang="en-US"/>
           </a:p>
@@ -23469,7 +23523,7 @@
           <a:p>
             <a:fld id="{468C4063-5A52-4EC2-BC3D-71FE056EFFE9}" type="datetimeFigureOut">
               <a:rPr lang="en-US" smtClean="0"/>
-              <a:t>7/12/2019</a:t>
+              <a:t>7/13/2019</a:t>
             </a:fld>
             <a:endParaRPr lang="en-US"/>
           </a:p>
@@ -23760,7 +23814,7 @@
           <a:p>
             <a:fld id="{468C4063-5A52-4EC2-BC3D-71FE056EFFE9}" type="datetimeFigureOut">
               <a:rPr lang="en-US" smtClean="0"/>
-              <a:t>7/12/2019</a:t>
+              <a:t>7/13/2019</a:t>
             </a:fld>
             <a:endParaRPr lang="en-US"/>
           </a:p>
@@ -24051,7 +24105,7 @@
           <a:p>
             <a:fld id="{468C4063-5A52-4EC2-BC3D-71FE056EFFE9}" type="datetimeFigureOut">
               <a:rPr lang="en-US" smtClean="0"/>
-              <a:t>7/12/2019</a:t>
+              <a:t>7/13/2019</a:t>
             </a:fld>
             <a:endParaRPr lang="en-US"/>
           </a:p>
@@ -24304,7 +24358,7 @@
           <a:p>
             <a:fld id="{468C4063-5A52-4EC2-BC3D-71FE056EFFE9}" type="datetimeFigureOut">
               <a:rPr lang="en-US" smtClean="0"/>
-              <a:t>7/12/2019</a:t>
+              <a:t>7/13/2019</a:t>
             </a:fld>
             <a:endParaRPr lang="en-US"/>
           </a:p>
@@ -24564,7 +24618,7 @@
           <a:p>
             <a:fld id="{468C4063-5A52-4EC2-BC3D-71FE056EFFE9}" type="datetimeFigureOut">
               <a:rPr lang="en-US" smtClean="0"/>
-              <a:t>7/12/2019</a:t>
+              <a:t>7/13/2019</a:t>
             </a:fld>
             <a:endParaRPr lang="en-US"/>
           </a:p>
@@ -25104,7 +25158,7 @@
           <a:p>
             <a:fld id="{468C4063-5A52-4EC2-BC3D-71FE056EFFE9}" type="datetimeFigureOut">
               <a:rPr lang="en-US" smtClean="0"/>
-              <a:t>7/12/2019</a:t>
+              <a:t>7/13/2019</a:t>
             </a:fld>
             <a:endParaRPr lang="en-US"/>
           </a:p>
@@ -25352,7 +25406,7 @@
           <a:p>
             <a:fld id="{468C4063-5A52-4EC2-BC3D-71FE056EFFE9}" type="datetimeFigureOut">
               <a:rPr lang="en-US" smtClean="0"/>
-              <a:t>7/12/2019</a:t>
+              <a:t>7/13/2019</a:t>
             </a:fld>
             <a:endParaRPr lang="en-US"/>
           </a:p>
@@ -25884,7 +25938,7 @@
           <a:p>
             <a:fld id="{468C4063-5A52-4EC2-BC3D-71FE056EFFE9}" type="datetimeFigureOut">
               <a:rPr lang="en-US" smtClean="0"/>
-              <a:t>7/12/2019</a:t>
+              <a:t>7/13/2019</a:t>
             </a:fld>
             <a:endParaRPr lang="en-US"/>
           </a:p>
@@ -26181,7 +26235,7 @@
           <a:p>
             <a:fld id="{468C4063-5A52-4EC2-BC3D-71FE056EFFE9}" type="datetimeFigureOut">
               <a:rPr lang="en-US" smtClean="0"/>
-              <a:t>7/12/2019</a:t>
+              <a:t>7/13/2019</a:t>
             </a:fld>
             <a:endParaRPr lang="en-US"/>
           </a:p>
@@ -26355,7 +26409,7 @@
           <a:p>
             <a:fld id="{468C4063-5A52-4EC2-BC3D-71FE056EFFE9}" type="datetimeFigureOut">
               <a:rPr lang="en-US" smtClean="0"/>
-              <a:t>7/12/2019</a:t>
+              <a:t>7/13/2019</a:t>
             </a:fld>
             <a:endParaRPr lang="en-US"/>
           </a:p>
@@ -26535,7 +26589,7 @@
           <a:p>
             <a:fld id="{468C4063-5A52-4EC2-BC3D-71FE056EFFE9}" type="datetimeFigureOut">
               <a:rPr lang="en-US" smtClean="0"/>
-              <a:t>7/12/2019</a:t>
+              <a:t>7/13/2019</a:t>
             </a:fld>
             <a:endParaRPr lang="en-US"/>
           </a:p>
@@ -26935,7 +26989,7 @@
           <a:p>
             <a:fld id="{468C4063-5A52-4EC2-BC3D-71FE056EFFE9}" type="datetimeFigureOut">
               <a:rPr lang="en-US" smtClean="0"/>
-              <a:t>7/12/2019</a:t>
+              <a:t>7/13/2019</a:t>
             </a:fld>
             <a:endParaRPr lang="en-US"/>
           </a:p>
@@ -27076,7 +27130,7 @@
           <a:p>
             <a:fld id="{468C4063-5A52-4EC2-BC3D-71FE056EFFE9}" type="datetimeFigureOut">
               <a:rPr lang="en-US" smtClean="0"/>
-              <a:t>7/12/2019</a:t>
+              <a:t>7/13/2019</a:t>
             </a:fld>
             <a:endParaRPr lang="en-US"/>
           </a:p>
@@ -27189,7 +27243,7 @@
           <a:p>
             <a:fld id="{468C4063-5A52-4EC2-BC3D-71FE056EFFE9}" type="datetimeFigureOut">
               <a:rPr lang="en-US" smtClean="0"/>
-              <a:t>7/12/2019</a:t>
+              <a:t>7/13/2019</a:t>
             </a:fld>
             <a:endParaRPr lang="en-US"/>
           </a:p>
@@ -27500,7 +27554,7 @@
           <a:p>
             <a:fld id="{468C4063-5A52-4EC2-BC3D-71FE056EFFE9}" type="datetimeFigureOut">
               <a:rPr lang="en-US" smtClean="0"/>
-              <a:t>7/12/2019</a:t>
+              <a:t>7/13/2019</a:t>
             </a:fld>
             <a:endParaRPr lang="en-US"/>
           </a:p>
@@ -27788,7 +27842,7 @@
           <a:p>
             <a:fld id="{468C4063-5A52-4EC2-BC3D-71FE056EFFE9}" type="datetimeFigureOut">
               <a:rPr lang="en-US" smtClean="0"/>
-              <a:t>7/12/2019</a:t>
+              <a:t>7/13/2019</a:t>
             </a:fld>
             <a:endParaRPr lang="en-US"/>
           </a:p>
@@ -28029,7 +28083,7 @@
           <a:p>
             <a:fld id="{468C4063-5A52-4EC2-BC3D-71FE056EFFE9}" type="datetimeFigureOut">
               <a:rPr lang="en-US" smtClean="0"/>
-              <a:t>7/12/2019</a:t>
+              <a:t>7/13/2019</a:t>
             </a:fld>
             <a:endParaRPr lang="en-US"/>
           </a:p>
@@ -28621,7 +28675,7 @@
           <a:p>
             <a:fld id="{468C4063-5A52-4EC2-BC3D-71FE056EFFE9}" type="datetimeFigureOut">
               <a:rPr lang="en-US" smtClean="0"/>
-              <a:t>7/12/2019</a:t>
+              <a:t>7/13/2019</a:t>
             </a:fld>
             <a:endParaRPr lang="en-US"/>
           </a:p>
@@ -29518,7 +29572,7 @@
           <a:p>
             <a:fld id="{468C4063-5A52-4EC2-BC3D-71FE056EFFE9}" type="datetimeFigureOut">
               <a:rPr lang="en-US" smtClean="0"/>
-              <a:t>7/12/2019</a:t>
+              <a:t>7/13/2019</a:t>
             </a:fld>
             <a:endParaRPr lang="en-US"/>
           </a:p>
@@ -30579,7 +30633,7 @@
             </a:pPr>
             <a:r>
               <a:rPr lang="en-US" dirty="0"/>
-              <a:t>It is widely believed that education helps cure prejudice, however the data we have shows that the effect a high school education has on impacting hate crimes is negligible. </a:t>
+              <a:t>It is widely believed that education helps cure prejudice, however the data we have shows that the affect a high school education has on impacting hate crimes is negligible. </a:t>
             </a:r>
           </a:p>
         </p:txBody>
@@ -41595,6 +41649,14 @@
 <file path=ppt/slides/slide25.xml><?xml version="1.0" encoding="utf-8"?>
 <p:sld xmlns:a="http://schemas.openxmlformats.org/drawingml/2006/main" xmlns:r="http://schemas.openxmlformats.org/officeDocument/2006/relationships" xmlns:p="http://schemas.openxmlformats.org/presentationml/2006/main">
   <p:cSld>
+    <p:bg>
+      <p:bgPr>
+        <a:solidFill>
+          <a:schemeClr val="bg1"/>
+        </a:solidFill>
+        <a:effectLst/>
+      </p:bgPr>
+    </p:bg>
     <p:spTree>
       <p:nvGrpSpPr>
         <p:cNvPr id="1" name=""/>
@@ -41611,6 +41673,71 @@
       </p:grpSpPr>
       <p:sp>
         <p:nvSpPr>
+          <p:cNvPr id="8" name="Rectangle 7">
+            <a:extLst>
+              <a:ext uri="{FF2B5EF4-FFF2-40B4-BE49-F238E27FC236}">
+                <a16:creationId xmlns:a16="http://schemas.microsoft.com/office/drawing/2014/main" id="{8D70B121-56F4-4848-B38B-182089D909FA}"/>
+              </a:ext>
+              <a:ext uri="{C183D7F6-B498-43B3-948B-1728B52AA6E4}">
+                <adec:decorative xmlns:adec="http://schemas.microsoft.com/office/drawing/2017/decorative" val="1"/>
+              </a:ext>
+            </a:extLst>
+          </p:cNvPr>
+          <p:cNvSpPr>
+            <a:spLocks noGrp="1" noRot="1" noChangeAspect="1" noMove="1" noResize="1" noEditPoints="1" noAdjustHandles="1" noChangeArrowheads="1" noChangeShapeType="1" noTextEdit="1"/>
+          </p:cNvSpPr>
+          <p:nvPr>
+            <p:extLst>
+              <p:ext uri="{386F3935-93C4-4BCD-93E2-E3B085C9AB24}">
+                <p16:designElem xmlns:p16="http://schemas.microsoft.com/office/powerpoint/2015/main" val="1"/>
+              </p:ext>
+            </p:extLst>
+          </p:nvPr>
+        </p:nvSpPr>
+        <p:spPr bwMode="ltGray">
+          <a:xfrm>
+            <a:off x="321564" y="320040"/>
+            <a:ext cx="11548872" cy="6217920"/>
+          </a:xfrm>
+          <a:prstGeom prst="rect">
+            <a:avLst/>
+          </a:prstGeom>
+          <a:solidFill>
+            <a:schemeClr val="tx1">
+              <a:alpha val="8000"/>
+            </a:schemeClr>
+          </a:solidFill>
+          <a:ln w="127000" cap="sq" cmpd="thinThick">
+            <a:noFill/>
+          </a:ln>
+        </p:spPr>
+        <p:style>
+          <a:lnRef idx="2">
+            <a:schemeClr val="accent1">
+              <a:shade val="50000"/>
+            </a:schemeClr>
+          </a:lnRef>
+          <a:fillRef idx="1">
+            <a:schemeClr val="accent1"/>
+          </a:fillRef>
+          <a:effectRef idx="0">
+            <a:schemeClr val="accent1"/>
+          </a:effectRef>
+          <a:fontRef idx="minor">
+            <a:schemeClr val="lt1"/>
+          </a:fontRef>
+        </p:style>
+        <p:txBody>
+          <a:bodyPr rtlCol="0" anchor="ctr"/>
+          <a:lstStyle/>
+          <a:p>
+            <a:pPr algn="ctr"/>
+            <a:endParaRPr lang="en-US"/>
+          </a:p>
+        </p:txBody>
+      </p:sp>
+      <p:sp>
+        <p:nvSpPr>
           <p:cNvPr id="2" name="Title 1">
             <a:extLst>
               <a:ext uri="{FF2B5EF4-FFF2-40B4-BE49-F238E27FC236}">
@@ -41625,19 +41752,85 @@
             <p:ph type="title"/>
           </p:nvPr>
         </p:nvSpPr>
-        <p:spPr/>
+        <p:spPr>
+          <a:xfrm>
+            <a:off x="838200" y="963877"/>
+            <a:ext cx="3494362" cy="4930246"/>
+          </a:xfrm>
+        </p:spPr>
         <p:txBody>
-          <a:bodyPr/>
+          <a:bodyPr>
+            <a:normAutofit/>
+          </a:bodyPr>
           <a:lstStyle/>
           <a:p>
-            <a:pPr algn="ctr"/>
+            <a:pPr algn="r"/>
             <a:r>
-              <a:rPr lang="en-US" dirty="0"/>
+              <a:rPr lang="en-US">
+                <a:solidFill>
+                  <a:schemeClr val="accent1"/>
+                </a:solidFill>
+              </a:rPr>
               <a:t>Political Analysis Conclusions</a:t>
             </a:r>
           </a:p>
         </p:txBody>
       </p:sp>
+      <p:cxnSp>
+        <p:nvCxnSpPr>
+          <p:cNvPr id="10" name="Straight Connector 9">
+            <a:extLst>
+              <a:ext uri="{FF2B5EF4-FFF2-40B4-BE49-F238E27FC236}">
+                <a16:creationId xmlns:a16="http://schemas.microsoft.com/office/drawing/2014/main" id="{2D72A2C9-F3CA-4216-8BAD-FA4C970C3C4E}"/>
+              </a:ext>
+              <a:ext uri="{C183D7F6-B498-43B3-948B-1728B52AA6E4}">
+                <adec:decorative xmlns:adec="http://schemas.microsoft.com/office/drawing/2017/decorative" val="1"/>
+              </a:ext>
+            </a:extLst>
+          </p:cNvPr>
+          <p:cNvCxnSpPr>
+            <a:cxnSpLocks noGrp="1" noRot="1" noChangeAspect="1" noMove="1" noResize="1" noEditPoints="1" noAdjustHandles="1" noChangeArrowheads="1" noChangeShapeType="1"/>
+          </p:cNvCxnSpPr>
+          <p:nvPr>
+            <p:extLst>
+              <p:ext uri="{386F3935-93C4-4BCD-93E2-E3B085C9AB24}">
+                <p16:designElem xmlns:p16="http://schemas.microsoft.com/office/powerpoint/2015/main" val="1"/>
+              </p:ext>
+            </p:extLst>
+          </p:nvPr>
+        </p:nvCxnSpPr>
+        <p:spPr>
+          <a:xfrm>
+            <a:off x="4654296" y="2057400"/>
+            <a:ext cx="0" cy="2743200"/>
+          </a:xfrm>
+          <a:prstGeom prst="line">
+            <a:avLst/>
+          </a:prstGeom>
+          <a:ln w="19050">
+            <a:solidFill>
+              <a:schemeClr val="tx1">
+                <a:lumMod val="85000"/>
+                <a:lumOff val="15000"/>
+              </a:schemeClr>
+            </a:solidFill>
+          </a:ln>
+        </p:spPr>
+        <p:style>
+          <a:lnRef idx="1">
+            <a:schemeClr val="accent1"/>
+          </a:lnRef>
+          <a:fillRef idx="0">
+            <a:schemeClr val="accent1"/>
+          </a:fillRef>
+          <a:effectRef idx="0">
+            <a:schemeClr val="accent1"/>
+          </a:effectRef>
+          <a:fontRef idx="minor">
+            <a:schemeClr val="tx1"/>
+          </a:fontRef>
+        </p:style>
+      </p:cxnSp>
       <p:sp>
         <p:nvSpPr>
           <p:cNvPr id="3" name="Content Placeholder 2">
@@ -41654,16 +41847,23 @@
             <p:ph idx="1"/>
           </p:nvPr>
         </p:nvSpPr>
-        <p:spPr/>
+        <p:spPr>
+          <a:xfrm>
+            <a:off x="4976031" y="963877"/>
+            <a:ext cx="6377769" cy="4930246"/>
+          </a:xfrm>
+        </p:spPr>
         <p:txBody>
-          <a:bodyPr/>
+          <a:bodyPr anchor="ctr">
+            <a:normAutofit/>
+          </a:bodyPr>
           <a:lstStyle/>
           <a:p>
             <a:pPr marL="0" indent="0">
               <a:buNone/>
             </a:pPr>
             <a:r>
-              <a:rPr lang="en-US" dirty="0"/>
+              <a:rPr lang="en-US" sz="2400"/>
               <a:t>There are slight positive correlations between the increase of Democrat voter percentage and hate crime rate as well as Democratic states contributing to the majority of the hate crime rate in America, and, a majority of the states that changed from Democrat to Republicans from 2009 to 2017 saw their hate crime rate’s go up, some quite significantly.  However, these subtle correlations in no way imply causation and the evidence found in our data does not prove anything about Republicans or Democrats.  These correlations could be caused by several hidden variables.</a:t>
             </a:r>
           </a:p>

--- a/Hate_Crime_Study.pptx
+++ b/Hate_Crime_Study.pptx
@@ -144,7 +144,7 @@
 <file path=ppt/revisionInfo.xml><?xml version="1.0" encoding="utf-8"?>
 <p1510:revInfo xmlns:a="http://schemas.openxmlformats.org/drawingml/2006/main" xmlns:r="http://schemas.openxmlformats.org/officeDocument/2006/relationships" xmlns:p1510="http://schemas.microsoft.com/office/powerpoint/2015/10/main">
   <p1510:revLst>
-    <p1510:client id="{7E52E15B-118E-48E1-BFC4-0F09364210F9}" v="2581" dt="2019-07-13T03:25:09.359"/>
+    <p1510:client id="{7E52E15B-118E-48E1-BFC4-0F09364210F9}" v="2588" dt="2019-07-13T17:09:08.581"/>
   </p1510:revLst>
 </p1510:revInfo>
 </file>
@@ -154,7 +154,7 @@
   <pc:docChgLst>
     <pc:chgData name="Zachary Grinacoff" userId="f4ab6bb43d9bbc24" providerId="LiveId" clId="{7E52E15B-118E-48E1-BFC4-0F09364210F9}"/>
     <pc:docChg chg="undo custSel mod addSld delSld modSld sldOrd">
-      <pc:chgData name="Zachary Grinacoff" userId="f4ab6bb43d9bbc24" providerId="LiveId" clId="{7E52E15B-118E-48E1-BFC4-0F09364210F9}" dt="2019-07-13T17:01:40.635" v="7420" actId="26606"/>
+      <pc:chgData name="Zachary Grinacoff" userId="f4ab6bb43d9bbc24" providerId="LiveId" clId="{7E52E15B-118E-48E1-BFC4-0F09364210F9}" dt="2019-07-13T17:09:08.581" v="7450" actId="113"/>
       <pc:docMkLst>
         <pc:docMk/>
       </pc:docMkLst>
@@ -1129,7 +1129,7 @@
         </pc:picChg>
       </pc:sldChg>
       <pc:sldChg chg="addSp delSp modSp add mod setBg setClrOvrMap delDesignElem">
-        <pc:chgData name="Zachary Grinacoff" userId="f4ab6bb43d9bbc24" providerId="LiveId" clId="{7E52E15B-118E-48E1-BFC4-0F09364210F9}" dt="2019-07-13T01:27:01.580" v="7399"/>
+        <pc:chgData name="Zachary Grinacoff" userId="f4ab6bb43d9bbc24" providerId="LiveId" clId="{7E52E15B-118E-48E1-BFC4-0F09364210F9}" dt="2019-07-13T17:06:08.448" v="7445" actId="27636"/>
         <pc:sldMkLst>
           <pc:docMk/>
           <pc:sldMk cId="2313646419" sldId="270"/>
@@ -1183,7 +1183,7 @@
           </ac:spMkLst>
         </pc:spChg>
         <pc:spChg chg="add mod">
-          <ac:chgData name="Zachary Grinacoff" userId="f4ab6bb43d9bbc24" providerId="LiveId" clId="{7E52E15B-118E-48E1-BFC4-0F09364210F9}" dt="2019-07-13T01:27:01.580" v="7399"/>
+          <ac:chgData name="Zachary Grinacoff" userId="f4ab6bb43d9bbc24" providerId="LiveId" clId="{7E52E15B-118E-48E1-BFC4-0F09364210F9}" dt="2019-07-13T17:06:08.448" v="7445" actId="27636"/>
           <ac:spMkLst>
             <pc:docMk/>
             <pc:sldMk cId="2313646419" sldId="270"/>
@@ -1684,7 +1684,7 @@
         </pc:graphicFrameChg>
       </pc:sldChg>
       <pc:sldChg chg="addSp delSp modSp add delDesignElem">
-        <pc:chgData name="Zachary Grinacoff" userId="f4ab6bb43d9bbc24" providerId="LiveId" clId="{7E52E15B-118E-48E1-BFC4-0F09364210F9}" dt="2019-07-13T01:27:01.580" v="7399"/>
+        <pc:chgData name="Zachary Grinacoff" userId="f4ab6bb43d9bbc24" providerId="LiveId" clId="{7E52E15B-118E-48E1-BFC4-0F09364210F9}" dt="2019-07-13T17:09:08.581" v="7450" actId="113"/>
         <pc:sldMkLst>
           <pc:docMk/>
           <pc:sldMk cId="3458395854" sldId="282"/>
@@ -1714,7 +1714,7 @@
           </ac:grpSpMkLst>
         </pc:grpChg>
         <pc:graphicFrameChg chg="mod">
-          <ac:chgData name="Zachary Grinacoff" userId="f4ab6bb43d9bbc24" providerId="LiveId" clId="{7E52E15B-118E-48E1-BFC4-0F09364210F9}" dt="2019-07-12T20:47:04.314" v="5619" actId="20577"/>
+          <ac:chgData name="Zachary Grinacoff" userId="f4ab6bb43d9bbc24" providerId="LiveId" clId="{7E52E15B-118E-48E1-BFC4-0F09364210F9}" dt="2019-07-13T17:09:08.581" v="7450" actId="113"/>
           <ac:graphicFrameMkLst>
             <pc:docMk/>
             <pc:sldMk cId="3458395854" sldId="282"/>
@@ -6309,8 +6309,12 @@
         <a:lstStyle/>
         <a:p>
           <a:r>
+            <a:rPr lang="en-US" sz="1600" b="1" dirty="0"/>
+            <a:t>Income</a:t>
+          </a:r>
+          <a:r>
             <a:rPr lang="en-US" sz="1600" dirty="0"/>
-            <a:t>Income: The </a:t>
+            <a:t>: The </a:t>
           </a:r>
           <a:r>
             <a:rPr lang="en-US" sz="1600" b="0" i="0" dirty="0"/>
@@ -6349,8 +6353,12 @@
         <a:lstStyle/>
         <a:p>
           <a:r>
+            <a:rPr lang="en-US" sz="1600" b="1" dirty="0"/>
+            <a:t>Education</a:t>
+          </a:r>
+          <a:r>
             <a:rPr lang="en-US" sz="1600" dirty="0"/>
-            <a:t>Education: T</a:t>
+            <a:t>: T</a:t>
           </a:r>
           <a:r>
             <a:rPr lang="en-US" sz="1600" b="0" i="0" dirty="0"/>
@@ -6389,8 +6397,12 @@
         <a:lstStyle/>
         <a:p>
           <a:r>
+            <a:rPr lang="en-US" sz="1600" b="1" dirty="0"/>
+            <a:t>Globalization, Capital and Technology</a:t>
+          </a:r>
+          <a:r>
             <a:rPr lang="en-US" sz="1600" dirty="0"/>
-            <a:t>Globalization, Capital and Technology: Globalization and growth in technology renders joblessness at all skill levels. Additionally, the income gap between workers who earn by their skills and owners who earn by investing in capital has widened.</a:t>
+            <a:t>: Globalization and growth in technology renders joblessness at all skill levels. Additionally, the income gap between workers who earn by their skills and owners who earn by investing in capital has widened.</a:t>
           </a:r>
           <a:endParaRPr lang="en-US" sz="1600" b="0" i="0" dirty="0"/>
         </a:p>
@@ -6426,8 +6438,12 @@
         <a:lstStyle/>
         <a:p>
           <a:r>
+            <a:rPr lang="en-US" sz="1600" b="1" dirty="0"/>
+            <a:t>Gender, Race and Ethnicity</a:t>
+          </a:r>
+          <a:r>
             <a:rPr lang="en-US" sz="1600" dirty="0"/>
-            <a:t>Gender, Race and Ethnicity: Differential earnings exist for several minority groups, and women of all major racial and ethnic groups earn less than men of the same group.</a:t>
+            <a:t>: Differential earnings exist for several minority groups, and women of all major racial and ethnic groups earn less than men of the same group.</a:t>
           </a:r>
         </a:p>
       </dgm:t>
@@ -6462,8 +6478,12 @@
         <a:lstStyle/>
         <a:p>
           <a:r>
+            <a:rPr lang="en-US" sz="1600" b="1" i="0" dirty="0"/>
+            <a:t>Personal Preference</a:t>
+          </a:r>
+          <a:r>
             <a:rPr lang="en-US" sz="1600" b="0" i="0" dirty="0"/>
-            <a:t>Personal Preference: Innate ability may not be the only difference in individual income. Diversity of preferences, within a society or among different societies, contributes to the difference in wealth. When it comes to working harder or having fun, equally capable individuals may have totally different priorities, resulting in a difference in their incomes. Their saving patterns may also differ, leading to different levels of accumulated wealth.</a:t>
+            <a:t>: Innate ability may not be the only difference in individual income. Diversity of preferences, within a society or among different societies, contributes to the difference in wealth. When it comes to working harder or having fun, equally capable individuals may have totally different priorities, resulting in a difference in their incomes. Their saving patterns may also differ, leading to different levels of accumulated wealth.</a:t>
           </a:r>
           <a:endParaRPr lang="en-US" sz="1600" dirty="0"/>
         </a:p>
@@ -8341,8 +8361,12 @@
             <a:buNone/>
           </a:pPr>
           <a:r>
+            <a:rPr lang="en-US" sz="1600" b="1" kern="1200" dirty="0"/>
+            <a:t>Income</a:t>
+          </a:r>
+          <a:r>
             <a:rPr lang="en-US" sz="1600" kern="1200" dirty="0"/>
-            <a:t>Income: The </a:t>
+            <a:t>: The </a:t>
           </a:r>
           <a:r>
             <a:rPr lang="en-US" sz="1600" b="0" i="0" kern="1200" dirty="0"/>
@@ -8455,8 +8479,12 @@
             <a:buNone/>
           </a:pPr>
           <a:r>
+            <a:rPr lang="en-US" sz="1600" b="1" kern="1200" dirty="0"/>
+            <a:t>Education</a:t>
+          </a:r>
+          <a:r>
             <a:rPr lang="en-US" sz="1600" kern="1200" dirty="0"/>
-            <a:t>Education: T</a:t>
+            <a:t>: T</a:t>
           </a:r>
           <a:r>
             <a:rPr lang="en-US" sz="1600" b="0" i="0" kern="1200" dirty="0"/>
@@ -8569,8 +8597,12 @@
             <a:buNone/>
           </a:pPr>
           <a:r>
+            <a:rPr lang="en-US" sz="1600" b="1" kern="1200" dirty="0"/>
+            <a:t>Globalization, Capital and Technology</a:t>
+          </a:r>
+          <a:r>
             <a:rPr lang="en-US" sz="1600" kern="1200" dirty="0"/>
-            <a:t>Globalization, Capital and Technology: Globalization and growth in technology renders joblessness at all skill levels. Additionally, the income gap between workers who earn by their skills and owners who earn by investing in capital has widened.</a:t>
+            <a:t>: Globalization and growth in technology renders joblessness at all skill levels. Additionally, the income gap between workers who earn by their skills and owners who earn by investing in capital has widened.</a:t>
           </a:r>
           <a:endParaRPr lang="en-US" sz="1600" b="0" i="0" kern="1200" dirty="0"/>
         </a:p>
@@ -8680,8 +8712,12 @@
             <a:buNone/>
           </a:pPr>
           <a:r>
+            <a:rPr lang="en-US" sz="1600" b="1" kern="1200" dirty="0"/>
+            <a:t>Gender, Race and Ethnicity</a:t>
+          </a:r>
+          <a:r>
             <a:rPr lang="en-US" sz="1600" kern="1200" dirty="0"/>
-            <a:t>Gender, Race and Ethnicity: Differential earnings exist for several minority groups, and women of all major racial and ethnic groups earn less than men of the same group.</a:t>
+            <a:t>: Differential earnings exist for several minority groups, and women of all major racial and ethnic groups earn less than men of the same group.</a:t>
           </a:r>
         </a:p>
       </dsp:txBody>
@@ -8790,8 +8826,12 @@
             <a:buNone/>
           </a:pPr>
           <a:r>
+            <a:rPr lang="en-US" sz="1600" b="1" i="0" kern="1200" dirty="0"/>
+            <a:t>Personal Preference</a:t>
+          </a:r>
+          <a:r>
             <a:rPr lang="en-US" sz="1600" b="0" i="0" kern="1200" dirty="0"/>
-            <a:t>Personal Preference: Innate ability may not be the only difference in individual income. Diversity of preferences, within a society or among different societies, contributes to the difference in wealth. When it comes to working harder or having fun, equally capable individuals may have totally different priorities, resulting in a difference in their incomes. Their saving patterns may also differ, leading to different levels of accumulated wealth.</a:t>
+            <a:t>: Innate ability may not be the only difference in individual income. Diversity of preferences, within a society or among different societies, contributes to the difference in wealth. When it comes to working harder or having fun, equally capable individuals may have totally different priorities, resulting in a difference in their incomes. Their saving patterns may also differ, leading to different levels of accumulated wealth.</a:t>
           </a:r>
           <a:endParaRPr lang="en-US" sz="1600" kern="1200" dirty="0"/>
         </a:p>
@@ -33566,7 +33606,7 @@
             <p:ph idx="1"/>
             <p:extLst>
               <p:ext uri="{D42A27DB-BD31-4B8C-83A1-F6EECF244321}">
-                <p14:modId xmlns:p14="http://schemas.microsoft.com/office/powerpoint/2010/main" val="220826072"/>
+                <p14:modId xmlns:p14="http://schemas.microsoft.com/office/powerpoint/2010/main" val="1999854884"/>
               </p:ext>
             </p:extLst>
           </p:nvPr>
@@ -37479,7 +37519,7 @@
           <a:lstStyle/>
           <a:p>
             <a:r>
-              <a:rPr lang="en-US">
+              <a:rPr lang="en-US" dirty="0">
                 <a:solidFill>
                   <a:schemeClr val="bg1">
                     <a:lumMod val="95000"/>
@@ -37516,29 +37556,34 @@
         </p:spPr>
         <p:txBody>
           <a:bodyPr anchor="ctr">
-            <a:normAutofit/>
+            <a:normAutofit lnSpcReduction="10000"/>
           </a:bodyPr>
           <a:lstStyle/>
           <a:p>
             <a:r>
-              <a:rPr lang="en-US" sz="1900"/>
-              <a:t>Hypothesis: "Intolerance is the first sign of an inadequate education." This quote by Aleksander Solzhenitsyn sums up a general belief about prejudice, that with education these attitudes can be erased. However, is this really the case? Through research, are we able to prove a correlation between people who graduate high school and lack of hate crimes?</a:t>
+              <a:rPr lang="en-US" dirty="0"/>
+              <a:t> </a:t>
             </a:r>
+            <a:r>
+              <a:rPr lang="en-US" sz="2000" dirty="0"/>
+              <a:t>"Intolerance is the first sign of an inadequate education." This quote by Aleksander Solzhenitsyn sums up a general belief about prejudice, that with education these attitudes can be erased. However, is this really the case? Through research, are we able to prove a correlation between people who graduate high school and lack of hate crimes?</a:t>
+            </a:r>
+            <a:endParaRPr lang="en-US" sz="1900" dirty="0"/>
           </a:p>
           <a:p>
             <a:r>
-              <a:rPr lang="en-US" sz="1900"/>
+              <a:rPr lang="en-US" sz="1900" dirty="0"/>
               <a:t>It is well known that the factors that contribute to socioeconomic status affect crime rates around the world. Therefore, areas that experience higher rates of poverty, relatively low per capita income, and high rates of income inequality (according to the Gini Index), should also experience higher rates of hate crimes.</a:t>
             </a:r>
           </a:p>
           <a:p>
             <a:r>
-              <a:rPr lang="en-US" sz="1900"/>
+              <a:rPr lang="en-US" sz="1900" dirty="0"/>
               <a:t> In today’s divisive political climate, Democrats and Republicans often try to place blame on one another for various problems facing our society.  One of these problems, which is a huge source of media attention, is discrimination of race, religion, sexuality, and gender.  In this study, we will use the rates of specific hate crimes to measure the targeted attacks against these groups.  So, the question is, is there a correlation between political affiliation and race, religion, sexuality, gender-based discrimination?</a:t>
             </a:r>
           </a:p>
           <a:p>
-            <a:endParaRPr lang="en-US" sz="1900"/>
+            <a:endParaRPr lang="en-US" sz="1900" dirty="0"/>
           </a:p>
         </p:txBody>
       </p:sp>
